--- a/Class Slides 2024/Class 10.pptx
+++ b/Class Slides 2024/Class 10.pptx
@@ -1908,7 +1908,7 @@
           <a:p>
             <a:fld id="{D4E49063-5ED7-4181-A904-689CA2F22D9C}" type="datetimeFigureOut">
               <a:rPr lang="en-US" smtClean="0"/>
-              <a:t>1/17/2024</a:t>
+              <a:t>1/19/2024</a:t>
             </a:fld>
             <a:endParaRPr lang="en-US"/>
           </a:p>
@@ -3081,7 +3081,7 @@
           <a:p>
             <a:fld id="{9D78718E-826C-48F9-8F36-291899E28248}" type="datetimeFigureOut">
               <a:rPr lang="en-US" smtClean="0"/>
-              <a:t>1/17/2024</a:t>
+              <a:t>1/19/2024</a:t>
             </a:fld>
             <a:endParaRPr lang="en-US"/>
           </a:p>
@@ -3279,7 +3279,7 @@
           <a:p>
             <a:fld id="{9D78718E-826C-48F9-8F36-291899E28248}" type="datetimeFigureOut">
               <a:rPr lang="en-US" smtClean="0"/>
-              <a:t>1/17/2024</a:t>
+              <a:t>1/19/2024</a:t>
             </a:fld>
             <a:endParaRPr lang="en-US"/>
           </a:p>
@@ -3487,7 +3487,7 @@
           <a:p>
             <a:fld id="{9D78718E-826C-48F9-8F36-291899E28248}" type="datetimeFigureOut">
               <a:rPr lang="en-US" smtClean="0"/>
-              <a:t>1/17/2024</a:t>
+              <a:t>1/19/2024</a:t>
             </a:fld>
             <a:endParaRPr lang="en-US"/>
           </a:p>
@@ -3685,7 +3685,7 @@
           <a:p>
             <a:fld id="{9D78718E-826C-48F9-8F36-291899E28248}" type="datetimeFigureOut">
               <a:rPr lang="en-US" smtClean="0"/>
-              <a:t>1/17/2024</a:t>
+              <a:t>1/19/2024</a:t>
             </a:fld>
             <a:endParaRPr lang="en-US"/>
           </a:p>
@@ -3960,7 +3960,7 @@
           <a:p>
             <a:fld id="{9D78718E-826C-48F9-8F36-291899E28248}" type="datetimeFigureOut">
               <a:rPr lang="en-US" smtClean="0"/>
-              <a:t>1/17/2024</a:t>
+              <a:t>1/19/2024</a:t>
             </a:fld>
             <a:endParaRPr lang="en-US"/>
           </a:p>
@@ -4225,7 +4225,7 @@
           <a:p>
             <a:fld id="{9D78718E-826C-48F9-8F36-291899E28248}" type="datetimeFigureOut">
               <a:rPr lang="en-US" smtClean="0"/>
-              <a:t>1/17/2024</a:t>
+              <a:t>1/19/2024</a:t>
             </a:fld>
             <a:endParaRPr lang="en-US"/>
           </a:p>
@@ -4637,7 +4637,7 @@
           <a:p>
             <a:fld id="{9D78718E-826C-48F9-8F36-291899E28248}" type="datetimeFigureOut">
               <a:rPr lang="en-US" smtClean="0"/>
-              <a:t>1/17/2024</a:t>
+              <a:t>1/19/2024</a:t>
             </a:fld>
             <a:endParaRPr lang="en-US"/>
           </a:p>
@@ -4778,7 +4778,7 @@
           <a:p>
             <a:fld id="{9D78718E-826C-48F9-8F36-291899E28248}" type="datetimeFigureOut">
               <a:rPr lang="en-US" smtClean="0"/>
-              <a:t>1/17/2024</a:t>
+              <a:t>1/19/2024</a:t>
             </a:fld>
             <a:endParaRPr lang="en-US"/>
           </a:p>
@@ -4891,7 +4891,7 @@
           <a:p>
             <a:fld id="{9D78718E-826C-48F9-8F36-291899E28248}" type="datetimeFigureOut">
               <a:rPr lang="en-US" smtClean="0"/>
-              <a:t>1/17/2024</a:t>
+              <a:t>1/19/2024</a:t>
             </a:fld>
             <a:endParaRPr lang="en-US"/>
           </a:p>
@@ -5202,7 +5202,7 @@
           <a:p>
             <a:fld id="{9D78718E-826C-48F9-8F36-291899E28248}" type="datetimeFigureOut">
               <a:rPr lang="en-US" smtClean="0"/>
-              <a:t>1/17/2024</a:t>
+              <a:t>1/19/2024</a:t>
             </a:fld>
             <a:endParaRPr lang="en-US"/>
           </a:p>
@@ -5490,7 +5490,7 @@
           <a:p>
             <a:fld id="{9D78718E-826C-48F9-8F36-291899E28248}" type="datetimeFigureOut">
               <a:rPr lang="en-US" smtClean="0"/>
-              <a:t>1/17/2024</a:t>
+              <a:t>1/19/2024</a:t>
             </a:fld>
             <a:endParaRPr lang="en-US"/>
           </a:p>
@@ -5731,7 +5731,7 @@
           <a:p>
             <a:fld id="{9D78718E-826C-48F9-8F36-291899E28248}" type="datetimeFigureOut">
               <a:rPr lang="en-US" smtClean="0"/>
-              <a:t>1/17/2024</a:t>
+              <a:t>1/19/2024</a:t>
             </a:fld>
             <a:endParaRPr lang="en-US"/>
           </a:p>
@@ -6171,7 +6171,7 @@
           <a:p>
             <a:r>
               <a:rPr lang="en-US" dirty="0"/>
-              <a:t>205 Jan 26, Class 10</a:t>
+              <a:t>205 Jan 26, Class 11</a:t>
             </a:r>
           </a:p>
         </p:txBody>

--- a/Class Slides 2024/Class 10.pptx
+++ b/Class Slides 2024/Class 10.pptx
@@ -5,22 +5,21 @@
     <p:sldMasterId id="2147483648" r:id="rId1"/>
   </p:sldMasterIdLst>
   <p:notesMasterIdLst>
-    <p:notesMasterId r:id="rId15"/>
+    <p:notesMasterId r:id="rId14"/>
   </p:notesMasterIdLst>
   <p:sldIdLst>
     <p:sldId id="256" r:id="rId2"/>
     <p:sldId id="260" r:id="rId3"/>
     <p:sldId id="291" r:id="rId4"/>
     <p:sldId id="382" r:id="rId5"/>
-    <p:sldId id="380" r:id="rId6"/>
-    <p:sldId id="292" r:id="rId7"/>
-    <p:sldId id="376" r:id="rId8"/>
-    <p:sldId id="377" r:id="rId9"/>
-    <p:sldId id="258" r:id="rId10"/>
-    <p:sldId id="259" r:id="rId11"/>
-    <p:sldId id="279" r:id="rId12"/>
-    <p:sldId id="280" r:id="rId13"/>
-    <p:sldId id="381" r:id="rId14"/>
+    <p:sldId id="292" r:id="rId6"/>
+    <p:sldId id="376" r:id="rId7"/>
+    <p:sldId id="377" r:id="rId8"/>
+    <p:sldId id="258" r:id="rId9"/>
+    <p:sldId id="259" r:id="rId10"/>
+    <p:sldId id="279" r:id="rId11"/>
+    <p:sldId id="280" r:id="rId12"/>
+    <p:sldId id="381" r:id="rId13"/>
   </p:sldIdLst>
   <p:sldSz cx="12192000" cy="6858000"/>
   <p:notesSz cx="7102475" cy="9388475"/>
@@ -128,348 +127,6 @@
 </file>
 
 <file path=ppt/charts/chart1.xml><?xml version="1.0" encoding="utf-8"?>
-<c:chartSpace xmlns:c="http://schemas.openxmlformats.org/drawingml/2006/chart" xmlns:a="http://schemas.openxmlformats.org/drawingml/2006/main" xmlns:r="http://schemas.openxmlformats.org/officeDocument/2006/relationships" xmlns:c16r2="http://schemas.microsoft.com/office/drawing/2015/06/chart">
-  <c:date1904 val="0"/>
-  <c:lang val="en-US"/>
-  <c:roundedCorners val="0"/>
-  <mc:AlternateContent xmlns:mc="http://schemas.openxmlformats.org/markup-compatibility/2006">
-    <mc:Choice xmlns:c14="http://schemas.microsoft.com/office/drawing/2007/8/2/chart" Requires="c14">
-      <c14:style val="102"/>
-    </mc:Choice>
-    <mc:Fallback>
-      <c:style val="2"/>
-    </mc:Fallback>
-  </mc:AlternateContent>
-  <c:chart>
-    <c:autoTitleDeleted val="1"/>
-    <c:plotArea>
-      <c:layout/>
-      <c:barChart>
-        <c:barDir val="col"/>
-        <c:grouping val="clustered"/>
-        <c:varyColors val="0"/>
-        <c:ser>
-          <c:idx val="0"/>
-          <c:order val="0"/>
-          <c:tx>
-            <c:strRef>
-              <c:f>Oneway3_demo!$C$20</c:f>
-              <c:strCache>
-                <c:ptCount val="1"/>
-                <c:pt idx="0">
-                  <c:v>Score</c:v>
-                </c:pt>
-              </c:strCache>
-            </c:strRef>
-          </c:tx>
-          <c:spPr>
-            <a:solidFill>
-              <a:schemeClr val="accent1"/>
-            </a:solidFill>
-            <a:ln>
-              <a:noFill/>
-            </a:ln>
-            <a:effectLst/>
-          </c:spPr>
-          <c:invertIfNegative val="0"/>
-          <c:errBars>
-            <c:errBarType val="both"/>
-            <c:errValType val="cust"/>
-            <c:noEndCap val="0"/>
-            <c:plus>
-              <c:numRef>
-                <c:f>Oneway3_demo!$D$21:$F$21</c:f>
-                <c:numCache>
-                  <c:formatCode>General</c:formatCode>
-                  <c:ptCount val="3"/>
-                  <c:pt idx="0">
-                    <c:v>0.85893991511500889</c:v>
-                  </c:pt>
-                  <c:pt idx="1">
-                    <c:v>0.75203427817856583</c:v>
-                  </c:pt>
-                  <c:pt idx="2">
-                    <c:v>0.71802197428460124</c:v>
-                  </c:pt>
-                </c:numCache>
-              </c:numRef>
-            </c:plus>
-            <c:minus>
-              <c:numRef>
-                <c:f>Oneway3_demo!$D$21:$F$21</c:f>
-                <c:numCache>
-                  <c:formatCode>General</c:formatCode>
-                  <c:ptCount val="3"/>
-                  <c:pt idx="0">
-                    <c:v>0.85893991511500889</c:v>
-                  </c:pt>
-                  <c:pt idx="1">
-                    <c:v>0.75203427817856583</c:v>
-                  </c:pt>
-                  <c:pt idx="2">
-                    <c:v>0.71802197428460124</c:v>
-                  </c:pt>
-                </c:numCache>
-              </c:numRef>
-            </c:minus>
-            <c:spPr>
-              <a:noFill/>
-              <a:ln w="9525" cap="flat" cmpd="sng" algn="ctr">
-                <a:solidFill>
-                  <a:schemeClr val="tx1">
-                    <a:lumMod val="65000"/>
-                    <a:lumOff val="35000"/>
-                  </a:schemeClr>
-                </a:solidFill>
-                <a:round/>
-              </a:ln>
-              <a:effectLst/>
-            </c:spPr>
-          </c:errBars>
-          <c:cat>
-            <c:strRef>
-              <c:f>Oneway3_demo!$D$19:$F$19</c:f>
-              <c:strCache>
-                <c:ptCount val="3"/>
-                <c:pt idx="0">
-                  <c:v>Ocean</c:v>
-                </c:pt>
-                <c:pt idx="1">
-                  <c:v>EDM</c:v>
-                </c:pt>
-                <c:pt idx="2">
-                  <c:v>Classical</c:v>
-                </c:pt>
-              </c:strCache>
-            </c:strRef>
-          </c:cat>
-          <c:val>
-            <c:numRef>
-              <c:f>Oneway3_demo!$D$20:$F$20</c:f>
-              <c:numCache>
-                <c:formatCode>General</c:formatCode>
-                <c:ptCount val="3"/>
-                <c:pt idx="0">
-                  <c:v>11.6</c:v>
-                </c:pt>
-                <c:pt idx="1">
-                  <c:v>13.1</c:v>
-                </c:pt>
-                <c:pt idx="2">
-                  <c:v>15.4</c:v>
-                </c:pt>
-              </c:numCache>
-            </c:numRef>
-          </c:val>
-          <c:extLst>
-            <c:ext xmlns:c16="http://schemas.microsoft.com/office/drawing/2014/chart" uri="{C3380CC4-5D6E-409C-BE32-E72D297353CC}">
-              <c16:uniqueId val="{00000000-6009-4EB4-A8BE-6C83D22A1B8D}"/>
-            </c:ext>
-          </c:extLst>
-        </c:ser>
-        <c:dLbls>
-          <c:showLegendKey val="0"/>
-          <c:showVal val="0"/>
-          <c:showCatName val="0"/>
-          <c:showSerName val="0"/>
-          <c:showPercent val="0"/>
-          <c:showBubbleSize val="0"/>
-        </c:dLbls>
-        <c:gapWidth val="219"/>
-        <c:overlap val="-27"/>
-        <c:axId val="478743583"/>
-        <c:axId val="478742751"/>
-      </c:barChart>
-      <c:catAx>
-        <c:axId val="478743583"/>
-        <c:scaling>
-          <c:orientation val="minMax"/>
-        </c:scaling>
-        <c:delete val="0"/>
-        <c:axPos val="b"/>
-        <c:numFmt formatCode="General" sourceLinked="1"/>
-        <c:majorTickMark val="none"/>
-        <c:minorTickMark val="none"/>
-        <c:tickLblPos val="nextTo"/>
-        <c:spPr>
-          <a:noFill/>
-          <a:ln w="9525" cap="flat" cmpd="sng" algn="ctr">
-            <a:solidFill>
-              <a:schemeClr val="tx1"/>
-            </a:solidFill>
-            <a:round/>
-          </a:ln>
-          <a:effectLst/>
-        </c:spPr>
-        <c:txPr>
-          <a:bodyPr rot="-60000000" spcFirstLastPara="1" vertOverflow="ellipsis" vert="horz" wrap="square" anchor="ctr" anchorCtr="1"/>
-          <a:lstStyle/>
-          <a:p>
-            <a:pPr>
-              <a:defRPr sz="2400" b="0" i="0" u="none" strike="noStrike" kern="1200" baseline="0">
-                <a:solidFill>
-                  <a:schemeClr val="tx1">
-                    <a:lumMod val="65000"/>
-                    <a:lumOff val="35000"/>
-                  </a:schemeClr>
-                </a:solidFill>
-                <a:latin typeface="+mn-lt"/>
-                <a:ea typeface="+mn-ea"/>
-                <a:cs typeface="+mn-cs"/>
-              </a:defRPr>
-            </a:pPr>
-            <a:endParaRPr lang="en-US"/>
-          </a:p>
-        </c:txPr>
-        <c:crossAx val="478742751"/>
-        <c:crosses val="autoZero"/>
-        <c:auto val="1"/>
-        <c:lblAlgn val="ctr"/>
-        <c:lblOffset val="100"/>
-        <c:noMultiLvlLbl val="0"/>
-      </c:catAx>
-      <c:valAx>
-        <c:axId val="478742751"/>
-        <c:scaling>
-          <c:orientation val="minMax"/>
-        </c:scaling>
-        <c:delete val="0"/>
-        <c:axPos val="l"/>
-        <c:title>
-          <c:tx>
-            <c:rich>
-              <a:bodyPr rot="-5400000" spcFirstLastPara="1" vertOverflow="ellipsis" vert="horz" wrap="square" anchor="ctr" anchorCtr="1"/>
-              <a:lstStyle/>
-              <a:p>
-                <a:pPr>
-                  <a:defRPr sz="2400" b="0" i="0" u="none" strike="noStrike" kern="1200" baseline="0">
-                    <a:solidFill>
-                      <a:schemeClr val="tx1">
-                        <a:lumMod val="65000"/>
-                        <a:lumOff val="35000"/>
-                      </a:schemeClr>
-                    </a:solidFill>
-                    <a:latin typeface="+mn-lt"/>
-                    <a:ea typeface="+mn-ea"/>
-                    <a:cs typeface="+mn-cs"/>
-                  </a:defRPr>
-                </a:pPr>
-                <a:r>
-                  <a:rPr lang="en-US"/>
-                  <a:t>Score</a:t>
-                </a:r>
-              </a:p>
-            </c:rich>
-          </c:tx>
-          <c:overlay val="0"/>
-          <c:spPr>
-            <a:noFill/>
-            <a:ln>
-              <a:noFill/>
-            </a:ln>
-            <a:effectLst/>
-          </c:spPr>
-          <c:txPr>
-            <a:bodyPr rot="-5400000" spcFirstLastPara="1" vertOverflow="ellipsis" vert="horz" wrap="square" anchor="ctr" anchorCtr="1"/>
-            <a:lstStyle/>
-            <a:p>
-              <a:pPr>
-                <a:defRPr sz="2400" b="0" i="0" u="none" strike="noStrike" kern="1200" baseline="0">
-                  <a:solidFill>
-                    <a:schemeClr val="tx1">
-                      <a:lumMod val="65000"/>
-                      <a:lumOff val="35000"/>
-                    </a:schemeClr>
-                  </a:solidFill>
-                  <a:latin typeface="+mn-lt"/>
-                  <a:ea typeface="+mn-ea"/>
-                  <a:cs typeface="+mn-cs"/>
-                </a:defRPr>
-              </a:pPr>
-              <a:endParaRPr lang="en-US"/>
-            </a:p>
-          </c:txPr>
-        </c:title>
-        <c:numFmt formatCode="General" sourceLinked="1"/>
-        <c:majorTickMark val="none"/>
-        <c:minorTickMark val="none"/>
-        <c:tickLblPos val="nextTo"/>
-        <c:spPr>
-          <a:noFill/>
-          <a:ln>
-            <a:solidFill>
-              <a:schemeClr val="tx1"/>
-            </a:solidFill>
-          </a:ln>
-          <a:effectLst/>
-        </c:spPr>
-        <c:txPr>
-          <a:bodyPr rot="-60000000" spcFirstLastPara="1" vertOverflow="ellipsis" vert="horz" wrap="square" anchor="ctr" anchorCtr="1"/>
-          <a:lstStyle/>
-          <a:p>
-            <a:pPr>
-              <a:defRPr sz="2400" b="0" i="0" u="none" strike="noStrike" kern="1200" baseline="0">
-                <a:solidFill>
-                  <a:schemeClr val="tx1">
-                    <a:lumMod val="65000"/>
-                    <a:lumOff val="35000"/>
-                  </a:schemeClr>
-                </a:solidFill>
-                <a:latin typeface="+mn-lt"/>
-                <a:ea typeface="+mn-ea"/>
-                <a:cs typeface="+mn-cs"/>
-              </a:defRPr>
-            </a:pPr>
-            <a:endParaRPr lang="en-US"/>
-          </a:p>
-        </c:txPr>
-        <c:crossAx val="478743583"/>
-        <c:crosses val="autoZero"/>
-        <c:crossBetween val="between"/>
-      </c:valAx>
-      <c:spPr>
-        <a:noFill/>
-        <a:ln>
-          <a:noFill/>
-        </a:ln>
-        <a:effectLst/>
-      </c:spPr>
-    </c:plotArea>
-    <c:plotVisOnly val="1"/>
-    <c:dispBlanksAs val="gap"/>
-    <c:extLst>
-      <c:ext xmlns:c16r3="http://schemas.microsoft.com/office/drawing/2017/03/chart" uri="{56B9EC1D-385E-4148-901F-78D8002777C0}">
-        <c16r3:dataDisplayOptions16>
-          <c16r3:dispNaAsBlank val="1"/>
-        </c16r3:dataDisplayOptions16>
-      </c:ext>
-    </c:extLst>
-    <c:showDLblsOverMax val="0"/>
-  </c:chart>
-  <c:spPr>
-    <a:noFill/>
-    <a:ln>
-      <a:noFill/>
-    </a:ln>
-    <a:effectLst/>
-  </c:spPr>
-  <c:txPr>
-    <a:bodyPr/>
-    <a:lstStyle/>
-    <a:p>
-      <a:pPr>
-        <a:defRPr sz="2400"/>
-      </a:pPr>
-      <a:endParaRPr lang="en-US"/>
-    </a:p>
-  </c:txPr>
-  <c:externalData r:id="rId3">
-    <c:autoUpdate val="0"/>
-  </c:externalData>
-</c:chartSpace>
-</file>
-
-<file path=ppt/charts/chart2.xml><?xml version="1.0" encoding="utf-8"?>
 <c:chartSpace xmlns:c="http://schemas.openxmlformats.org/drawingml/2006/chart" xmlns:a="http://schemas.openxmlformats.org/drawingml/2006/main" xmlns:r="http://schemas.openxmlformats.org/officeDocument/2006/relationships" xmlns:c16r2="http://schemas.microsoft.com/office/drawing/2015/06/chart">
   <c:date1904 val="0"/>
   <c:lang val="en-US"/>
@@ -876,7 +533,7 @@
 </c:chartSpace>
 </file>
 
-<file path=ppt/charts/chart3.xml><?xml version="1.0" encoding="utf-8"?>
+<file path=ppt/charts/chart2.xml><?xml version="1.0" encoding="utf-8"?>
 <c:chartSpace xmlns:c="http://schemas.openxmlformats.org/drawingml/2006/chart" xmlns:a="http://schemas.openxmlformats.org/drawingml/2006/main" xmlns:r="http://schemas.openxmlformats.org/officeDocument/2006/relationships" xmlns:c16r2="http://schemas.microsoft.com/office/drawing/2015/06/chart">
   <c:date1904 val="0"/>
   <c:lang val="en-US"/>
@@ -1283,549 +940,6 @@
 </c:chartSpace>
 </file>
 
-<file path=ppt/charts/colors1.xml><?xml version="1.0" encoding="utf-8"?>
-<cs:colorStyle xmlns:cs="http://schemas.microsoft.com/office/drawing/2012/chartStyle" xmlns:a="http://schemas.openxmlformats.org/drawingml/2006/main" meth="cycle" id="10">
-  <a:schemeClr val="accent1"/>
-  <a:schemeClr val="accent2"/>
-  <a:schemeClr val="accent3"/>
-  <a:schemeClr val="accent4"/>
-  <a:schemeClr val="accent5"/>
-  <a:schemeClr val="accent6"/>
-  <cs:variation/>
-  <cs:variation>
-    <a:lumMod val="60000"/>
-  </cs:variation>
-  <cs:variation>
-    <a:lumMod val="80000"/>
-    <a:lumOff val="20000"/>
-  </cs:variation>
-  <cs:variation>
-    <a:lumMod val="80000"/>
-  </cs:variation>
-  <cs:variation>
-    <a:lumMod val="60000"/>
-    <a:lumOff val="40000"/>
-  </cs:variation>
-  <cs:variation>
-    <a:lumMod val="50000"/>
-  </cs:variation>
-  <cs:variation>
-    <a:lumMod val="70000"/>
-    <a:lumOff val="30000"/>
-  </cs:variation>
-  <cs:variation>
-    <a:lumMod val="70000"/>
-  </cs:variation>
-  <cs:variation>
-    <a:lumMod val="50000"/>
-    <a:lumOff val="50000"/>
-  </cs:variation>
-</cs:colorStyle>
-</file>
-
-<file path=ppt/charts/style1.xml><?xml version="1.0" encoding="utf-8"?>
-<cs:chartStyle xmlns:cs="http://schemas.microsoft.com/office/drawing/2012/chartStyle" xmlns:a="http://schemas.openxmlformats.org/drawingml/2006/main" id="201">
-  <cs:axisTitle>
-    <cs:lnRef idx="0"/>
-    <cs:fillRef idx="0"/>
-    <cs:effectRef idx="0"/>
-    <cs:fontRef idx="minor">
-      <a:schemeClr val="tx1">
-        <a:lumMod val="65000"/>
-        <a:lumOff val="35000"/>
-      </a:schemeClr>
-    </cs:fontRef>
-    <cs:defRPr sz="1000" kern="1200"/>
-  </cs:axisTitle>
-  <cs:categoryAxis>
-    <cs:lnRef idx="0"/>
-    <cs:fillRef idx="0"/>
-    <cs:effectRef idx="0"/>
-    <cs:fontRef idx="minor">
-      <a:schemeClr val="tx1">
-        <a:lumMod val="65000"/>
-        <a:lumOff val="35000"/>
-      </a:schemeClr>
-    </cs:fontRef>
-    <cs:spPr>
-      <a:ln w="9525" cap="flat" cmpd="sng" algn="ctr">
-        <a:solidFill>
-          <a:schemeClr val="tx1">
-            <a:lumMod val="15000"/>
-            <a:lumOff val="85000"/>
-          </a:schemeClr>
-        </a:solidFill>
-        <a:round/>
-      </a:ln>
-    </cs:spPr>
-    <cs:defRPr sz="900" kern="1200"/>
-  </cs:categoryAxis>
-  <cs:chartArea mods="allowNoFillOverride allowNoLineOverride">
-    <cs:lnRef idx="0"/>
-    <cs:fillRef idx="0"/>
-    <cs:effectRef idx="0"/>
-    <cs:fontRef idx="minor">
-      <a:schemeClr val="tx1"/>
-    </cs:fontRef>
-    <cs:spPr>
-      <a:solidFill>
-        <a:schemeClr val="bg1"/>
-      </a:solidFill>
-      <a:ln w="9525" cap="flat" cmpd="sng" algn="ctr">
-        <a:solidFill>
-          <a:schemeClr val="tx1">
-            <a:lumMod val="15000"/>
-            <a:lumOff val="85000"/>
-          </a:schemeClr>
-        </a:solidFill>
-        <a:round/>
-      </a:ln>
-    </cs:spPr>
-    <cs:defRPr sz="1000" kern="1200"/>
-  </cs:chartArea>
-  <cs:dataLabel>
-    <cs:lnRef idx="0"/>
-    <cs:fillRef idx="0"/>
-    <cs:effectRef idx="0"/>
-    <cs:fontRef idx="minor">
-      <a:schemeClr val="tx1">
-        <a:lumMod val="75000"/>
-        <a:lumOff val="25000"/>
-      </a:schemeClr>
-    </cs:fontRef>
-    <cs:defRPr sz="900" kern="1200"/>
-  </cs:dataLabel>
-  <cs:dataLabelCallout>
-    <cs:lnRef idx="0"/>
-    <cs:fillRef idx="0"/>
-    <cs:effectRef idx="0"/>
-    <cs:fontRef idx="minor">
-      <a:schemeClr val="dk1">
-        <a:lumMod val="65000"/>
-        <a:lumOff val="35000"/>
-      </a:schemeClr>
-    </cs:fontRef>
-    <cs:spPr>
-      <a:solidFill>
-        <a:schemeClr val="lt1"/>
-      </a:solidFill>
-      <a:ln>
-        <a:solidFill>
-          <a:schemeClr val="dk1">
-            <a:lumMod val="25000"/>
-            <a:lumOff val="75000"/>
-          </a:schemeClr>
-        </a:solidFill>
-      </a:ln>
-    </cs:spPr>
-    <cs:defRPr sz="900" kern="1200"/>
-    <cs:bodyPr rot="0" spcFirstLastPara="1" vertOverflow="clip" horzOverflow="clip" vert="horz" wrap="square" lIns="36576" tIns="18288" rIns="36576" bIns="18288" anchor="ctr" anchorCtr="1">
-      <a:spAutoFit/>
-    </cs:bodyPr>
-  </cs:dataLabelCallout>
-  <cs:dataPoint>
-    <cs:lnRef idx="0"/>
-    <cs:fillRef idx="1">
-      <cs:styleClr val="auto"/>
-    </cs:fillRef>
-    <cs:effectRef idx="0"/>
-    <cs:fontRef idx="minor">
-      <a:schemeClr val="tx1"/>
-    </cs:fontRef>
-  </cs:dataPoint>
-  <cs:dataPoint3D>
-    <cs:lnRef idx="0"/>
-    <cs:fillRef idx="1">
-      <cs:styleClr val="auto"/>
-    </cs:fillRef>
-    <cs:effectRef idx="0"/>
-    <cs:fontRef idx="minor">
-      <a:schemeClr val="tx1"/>
-    </cs:fontRef>
-  </cs:dataPoint3D>
-  <cs:dataPointLine>
-    <cs:lnRef idx="0">
-      <cs:styleClr val="auto"/>
-    </cs:lnRef>
-    <cs:fillRef idx="1"/>
-    <cs:effectRef idx="0"/>
-    <cs:fontRef idx="minor">
-      <a:schemeClr val="tx1"/>
-    </cs:fontRef>
-    <cs:spPr>
-      <a:ln w="28575" cap="rnd">
-        <a:solidFill>
-          <a:schemeClr val="phClr"/>
-        </a:solidFill>
-        <a:round/>
-      </a:ln>
-    </cs:spPr>
-  </cs:dataPointLine>
-  <cs:dataPointMarker>
-    <cs:lnRef idx="0">
-      <cs:styleClr val="auto"/>
-    </cs:lnRef>
-    <cs:fillRef idx="1">
-      <cs:styleClr val="auto"/>
-    </cs:fillRef>
-    <cs:effectRef idx="0"/>
-    <cs:fontRef idx="minor">
-      <a:schemeClr val="tx1"/>
-    </cs:fontRef>
-    <cs:spPr>
-      <a:ln w="9525">
-        <a:solidFill>
-          <a:schemeClr val="phClr"/>
-        </a:solidFill>
-      </a:ln>
-    </cs:spPr>
-  </cs:dataPointMarker>
-  <cs:dataPointMarkerLayout symbol="circle" size="5"/>
-  <cs:dataPointWireframe>
-    <cs:lnRef idx="0">
-      <cs:styleClr val="auto"/>
-    </cs:lnRef>
-    <cs:fillRef idx="1"/>
-    <cs:effectRef idx="0"/>
-    <cs:fontRef idx="minor">
-      <a:schemeClr val="tx1"/>
-    </cs:fontRef>
-    <cs:spPr>
-      <a:ln w="9525" cap="rnd">
-        <a:solidFill>
-          <a:schemeClr val="phClr"/>
-        </a:solidFill>
-        <a:round/>
-      </a:ln>
-    </cs:spPr>
-  </cs:dataPointWireframe>
-  <cs:dataTable>
-    <cs:lnRef idx="0"/>
-    <cs:fillRef idx="0"/>
-    <cs:effectRef idx="0"/>
-    <cs:fontRef idx="minor">
-      <a:schemeClr val="tx1">
-        <a:lumMod val="65000"/>
-        <a:lumOff val="35000"/>
-      </a:schemeClr>
-    </cs:fontRef>
-    <cs:spPr>
-      <a:noFill/>
-      <a:ln w="9525" cap="flat" cmpd="sng" algn="ctr">
-        <a:solidFill>
-          <a:schemeClr val="tx1">
-            <a:lumMod val="15000"/>
-            <a:lumOff val="85000"/>
-          </a:schemeClr>
-        </a:solidFill>
-        <a:round/>
-      </a:ln>
-    </cs:spPr>
-    <cs:defRPr sz="900" kern="1200"/>
-  </cs:dataTable>
-  <cs:downBar>
-    <cs:lnRef idx="0"/>
-    <cs:fillRef idx="0"/>
-    <cs:effectRef idx="0"/>
-    <cs:fontRef idx="minor">
-      <a:schemeClr val="dk1"/>
-    </cs:fontRef>
-    <cs:spPr>
-      <a:solidFill>
-        <a:schemeClr val="dk1">
-          <a:lumMod val="65000"/>
-          <a:lumOff val="35000"/>
-        </a:schemeClr>
-      </a:solidFill>
-      <a:ln w="9525">
-        <a:solidFill>
-          <a:schemeClr val="tx1">
-            <a:lumMod val="65000"/>
-            <a:lumOff val="35000"/>
-          </a:schemeClr>
-        </a:solidFill>
-      </a:ln>
-    </cs:spPr>
-  </cs:downBar>
-  <cs:dropLine>
-    <cs:lnRef idx="0"/>
-    <cs:fillRef idx="0"/>
-    <cs:effectRef idx="0"/>
-    <cs:fontRef idx="minor">
-      <a:schemeClr val="tx1"/>
-    </cs:fontRef>
-    <cs:spPr>
-      <a:ln w="9525" cap="flat" cmpd="sng" algn="ctr">
-        <a:solidFill>
-          <a:schemeClr val="tx1">
-            <a:lumMod val="35000"/>
-            <a:lumOff val="65000"/>
-          </a:schemeClr>
-        </a:solidFill>
-        <a:round/>
-      </a:ln>
-    </cs:spPr>
-  </cs:dropLine>
-  <cs:errorBar>
-    <cs:lnRef idx="0"/>
-    <cs:fillRef idx="0"/>
-    <cs:effectRef idx="0"/>
-    <cs:fontRef idx="minor">
-      <a:schemeClr val="tx1"/>
-    </cs:fontRef>
-    <cs:spPr>
-      <a:ln w="9525" cap="flat" cmpd="sng" algn="ctr">
-        <a:solidFill>
-          <a:schemeClr val="tx1">
-            <a:lumMod val="65000"/>
-            <a:lumOff val="35000"/>
-          </a:schemeClr>
-        </a:solidFill>
-        <a:round/>
-      </a:ln>
-    </cs:spPr>
-  </cs:errorBar>
-  <cs:floor>
-    <cs:lnRef idx="0"/>
-    <cs:fillRef idx="0"/>
-    <cs:effectRef idx="0"/>
-    <cs:fontRef idx="minor">
-      <a:schemeClr val="tx1"/>
-    </cs:fontRef>
-    <cs:spPr>
-      <a:noFill/>
-      <a:ln>
-        <a:noFill/>
-      </a:ln>
-    </cs:spPr>
-  </cs:floor>
-  <cs:gridlineMajor>
-    <cs:lnRef idx="0"/>
-    <cs:fillRef idx="0"/>
-    <cs:effectRef idx="0"/>
-    <cs:fontRef idx="minor">
-      <a:schemeClr val="tx1"/>
-    </cs:fontRef>
-    <cs:spPr>
-      <a:ln w="9525" cap="flat" cmpd="sng" algn="ctr">
-        <a:solidFill>
-          <a:schemeClr val="tx1">
-            <a:lumMod val="15000"/>
-            <a:lumOff val="85000"/>
-          </a:schemeClr>
-        </a:solidFill>
-        <a:round/>
-      </a:ln>
-    </cs:spPr>
-  </cs:gridlineMajor>
-  <cs:gridlineMinor>
-    <cs:lnRef idx="0"/>
-    <cs:fillRef idx="0"/>
-    <cs:effectRef idx="0"/>
-    <cs:fontRef idx="minor">
-      <a:schemeClr val="tx1"/>
-    </cs:fontRef>
-    <cs:spPr>
-      <a:ln w="9525" cap="flat" cmpd="sng" algn="ctr">
-        <a:solidFill>
-          <a:schemeClr val="tx1">
-            <a:lumMod val="5000"/>
-            <a:lumOff val="95000"/>
-          </a:schemeClr>
-        </a:solidFill>
-        <a:round/>
-      </a:ln>
-    </cs:spPr>
-  </cs:gridlineMinor>
-  <cs:hiLoLine>
-    <cs:lnRef idx="0"/>
-    <cs:fillRef idx="0"/>
-    <cs:effectRef idx="0"/>
-    <cs:fontRef idx="minor">
-      <a:schemeClr val="tx1"/>
-    </cs:fontRef>
-    <cs:spPr>
-      <a:ln w="9525" cap="flat" cmpd="sng" algn="ctr">
-        <a:solidFill>
-          <a:schemeClr val="tx1">
-            <a:lumMod val="75000"/>
-            <a:lumOff val="25000"/>
-          </a:schemeClr>
-        </a:solidFill>
-        <a:round/>
-      </a:ln>
-    </cs:spPr>
-  </cs:hiLoLine>
-  <cs:leaderLine>
-    <cs:lnRef idx="0"/>
-    <cs:fillRef idx="0"/>
-    <cs:effectRef idx="0"/>
-    <cs:fontRef idx="minor">
-      <a:schemeClr val="tx1"/>
-    </cs:fontRef>
-    <cs:spPr>
-      <a:ln w="9525" cap="flat" cmpd="sng" algn="ctr">
-        <a:solidFill>
-          <a:schemeClr val="tx1">
-            <a:lumMod val="35000"/>
-            <a:lumOff val="65000"/>
-          </a:schemeClr>
-        </a:solidFill>
-        <a:round/>
-      </a:ln>
-    </cs:spPr>
-  </cs:leaderLine>
-  <cs:legend>
-    <cs:lnRef idx="0"/>
-    <cs:fillRef idx="0"/>
-    <cs:effectRef idx="0"/>
-    <cs:fontRef idx="minor">
-      <a:schemeClr val="tx1">
-        <a:lumMod val="65000"/>
-        <a:lumOff val="35000"/>
-      </a:schemeClr>
-    </cs:fontRef>
-    <cs:defRPr sz="900" kern="1200"/>
-  </cs:legend>
-  <cs:plotArea mods="allowNoFillOverride allowNoLineOverride">
-    <cs:lnRef idx="0"/>
-    <cs:fillRef idx="0"/>
-    <cs:effectRef idx="0"/>
-    <cs:fontRef idx="minor">
-      <a:schemeClr val="tx1"/>
-    </cs:fontRef>
-  </cs:plotArea>
-  <cs:plotArea3D mods="allowNoFillOverride allowNoLineOverride">
-    <cs:lnRef idx="0"/>
-    <cs:fillRef idx="0"/>
-    <cs:effectRef idx="0"/>
-    <cs:fontRef idx="minor">
-      <a:schemeClr val="tx1"/>
-    </cs:fontRef>
-  </cs:plotArea3D>
-  <cs:seriesAxis>
-    <cs:lnRef idx="0"/>
-    <cs:fillRef idx="0"/>
-    <cs:effectRef idx="0"/>
-    <cs:fontRef idx="minor">
-      <a:schemeClr val="tx1">
-        <a:lumMod val="65000"/>
-        <a:lumOff val="35000"/>
-      </a:schemeClr>
-    </cs:fontRef>
-    <cs:defRPr sz="900" kern="1200"/>
-  </cs:seriesAxis>
-  <cs:seriesLine>
-    <cs:lnRef idx="0"/>
-    <cs:fillRef idx="0"/>
-    <cs:effectRef idx="0"/>
-    <cs:fontRef idx="minor">
-      <a:schemeClr val="tx1"/>
-    </cs:fontRef>
-    <cs:spPr>
-      <a:ln w="9525" cap="flat" cmpd="sng" algn="ctr">
-        <a:solidFill>
-          <a:schemeClr val="tx1">
-            <a:lumMod val="35000"/>
-            <a:lumOff val="65000"/>
-          </a:schemeClr>
-        </a:solidFill>
-        <a:round/>
-      </a:ln>
-    </cs:spPr>
-  </cs:seriesLine>
-  <cs:title>
-    <cs:lnRef idx="0"/>
-    <cs:fillRef idx="0"/>
-    <cs:effectRef idx="0"/>
-    <cs:fontRef idx="minor">
-      <a:schemeClr val="tx1">
-        <a:lumMod val="65000"/>
-        <a:lumOff val="35000"/>
-      </a:schemeClr>
-    </cs:fontRef>
-    <cs:defRPr sz="1400" b="0" kern="1200" spc="0" baseline="0"/>
-  </cs:title>
-  <cs:trendline>
-    <cs:lnRef idx="0">
-      <cs:styleClr val="auto"/>
-    </cs:lnRef>
-    <cs:fillRef idx="0"/>
-    <cs:effectRef idx="0"/>
-    <cs:fontRef idx="minor">
-      <a:schemeClr val="tx1"/>
-    </cs:fontRef>
-    <cs:spPr>
-      <a:ln w="19050" cap="rnd">
-        <a:solidFill>
-          <a:schemeClr val="phClr"/>
-        </a:solidFill>
-        <a:prstDash val="sysDot"/>
-      </a:ln>
-    </cs:spPr>
-  </cs:trendline>
-  <cs:trendlineLabel>
-    <cs:lnRef idx="0"/>
-    <cs:fillRef idx="0"/>
-    <cs:effectRef idx="0"/>
-    <cs:fontRef idx="minor">
-      <a:schemeClr val="tx1">
-        <a:lumMod val="65000"/>
-        <a:lumOff val="35000"/>
-      </a:schemeClr>
-    </cs:fontRef>
-    <cs:defRPr sz="900" kern="1200"/>
-  </cs:trendlineLabel>
-  <cs:upBar>
-    <cs:lnRef idx="0"/>
-    <cs:fillRef idx="0"/>
-    <cs:effectRef idx="0"/>
-    <cs:fontRef idx="minor">
-      <a:schemeClr val="dk1"/>
-    </cs:fontRef>
-    <cs:spPr>
-      <a:solidFill>
-        <a:schemeClr val="lt1"/>
-      </a:solidFill>
-      <a:ln w="9525">
-        <a:solidFill>
-          <a:schemeClr val="tx1">
-            <a:lumMod val="15000"/>
-            <a:lumOff val="85000"/>
-          </a:schemeClr>
-        </a:solidFill>
-      </a:ln>
-    </cs:spPr>
-  </cs:upBar>
-  <cs:valueAxis>
-    <cs:lnRef idx="0"/>
-    <cs:fillRef idx="0"/>
-    <cs:effectRef idx="0"/>
-    <cs:fontRef idx="minor">
-      <a:schemeClr val="tx1">
-        <a:lumMod val="65000"/>
-        <a:lumOff val="35000"/>
-      </a:schemeClr>
-    </cs:fontRef>
-    <cs:defRPr sz="900" kern="1200"/>
-  </cs:valueAxis>
-  <cs:wall>
-    <cs:lnRef idx="0"/>
-    <cs:fillRef idx="0"/>
-    <cs:effectRef idx="0"/>
-    <cs:fontRef idx="minor">
-      <a:schemeClr val="tx1"/>
-    </cs:fontRef>
-    <cs:spPr>
-      <a:noFill/>
-      <a:ln>
-        <a:noFill/>
-      </a:ln>
-    </cs:spPr>
-  </cs:wall>
-</cs:chartStyle>
-</file>
-
 <file path=ppt/notesMasters/notesMaster1.xml><?xml version="1.0" encoding="utf-8"?>
 <p:notesMaster xmlns:a="http://schemas.openxmlformats.org/drawingml/2006/main" xmlns:r="http://schemas.openxmlformats.org/officeDocument/2006/relationships" xmlns:p="http://schemas.openxmlformats.org/presentationml/2006/main">
   <p:cSld>
@@ -1908,7 +1022,7 @@
           <a:p>
             <a:fld id="{D4E49063-5ED7-4181-A904-689CA2F22D9C}" type="datetimeFigureOut">
               <a:rPr lang="en-US" smtClean="0"/>
-              <a:t>1/19/2024</a:t>
+              <a:t>1/21/2024</a:t>
             </a:fld>
             <a:endParaRPr lang="en-US"/>
           </a:p>
@@ -2490,7 +1604,7 @@
                   <a:spcPct val="0"/>
                 </a:spcAft>
               </a:pPr>
-              <a:t>6</a:t>
+              <a:t>5</a:t>
             </a:fld>
             <a:endParaRPr lang="en-US"/>
           </a:p>
@@ -2593,7 +1707,7 @@
             <a:fld id="{A3547E61-DD77-4499-BA2A-D53C70EF6DEC}" type="slidenum">
               <a:rPr lang="en-US" smtClean="0"/>
               <a:pPr/>
-              <a:t>9</a:t>
+              <a:t>8</a:t>
             </a:fld>
             <a:endParaRPr lang="en-US"/>
           </a:p>
@@ -2681,7 +1795,7 @@
             <a:fld id="{8894BCC0-5BE5-4663-BCA8-3913EF9D5AE5}" type="slidenum">
               <a:rPr lang="en-US" smtClean="0"/>
               <a:pPr/>
-              <a:t>10</a:t>
+              <a:t>9</a:t>
             </a:fld>
             <a:endParaRPr lang="en-US"/>
           </a:p>
@@ -2769,7 +1883,7 @@
             <a:fld id="{09BFCC5D-5AA2-4441-9569-89256B0D7761}" type="slidenum">
               <a:rPr lang="en-US" smtClean="0"/>
               <a:pPr/>
-              <a:t>11</a:t>
+              <a:t>10</a:t>
             </a:fld>
             <a:endParaRPr lang="en-US"/>
           </a:p>
@@ -2870,7 +1984,7 @@
             <a:fld id="{C46F327C-83D3-4AFD-BBC3-B37222CE2174}" type="slidenum">
               <a:rPr lang="en-US" smtClean="0"/>
               <a:pPr/>
-              <a:t>12</a:t>
+              <a:t>11</a:t>
             </a:fld>
             <a:endParaRPr lang="en-US"/>
           </a:p>
@@ -3081,7 +2195,7 @@
           <a:p>
             <a:fld id="{9D78718E-826C-48F9-8F36-291899E28248}" type="datetimeFigureOut">
               <a:rPr lang="en-US" smtClean="0"/>
-              <a:t>1/19/2024</a:t>
+              <a:t>1/21/2024</a:t>
             </a:fld>
             <a:endParaRPr lang="en-US"/>
           </a:p>
@@ -3279,7 +2393,7 @@
           <a:p>
             <a:fld id="{9D78718E-826C-48F9-8F36-291899E28248}" type="datetimeFigureOut">
               <a:rPr lang="en-US" smtClean="0"/>
-              <a:t>1/19/2024</a:t>
+              <a:t>1/21/2024</a:t>
             </a:fld>
             <a:endParaRPr lang="en-US"/>
           </a:p>
@@ -3487,7 +2601,7 @@
           <a:p>
             <a:fld id="{9D78718E-826C-48F9-8F36-291899E28248}" type="datetimeFigureOut">
               <a:rPr lang="en-US" smtClean="0"/>
-              <a:t>1/19/2024</a:t>
+              <a:t>1/21/2024</a:t>
             </a:fld>
             <a:endParaRPr lang="en-US"/>
           </a:p>
@@ -3685,7 +2799,7 @@
           <a:p>
             <a:fld id="{9D78718E-826C-48F9-8F36-291899E28248}" type="datetimeFigureOut">
               <a:rPr lang="en-US" smtClean="0"/>
-              <a:t>1/19/2024</a:t>
+              <a:t>1/21/2024</a:t>
             </a:fld>
             <a:endParaRPr lang="en-US"/>
           </a:p>
@@ -3960,7 +3074,7 @@
           <a:p>
             <a:fld id="{9D78718E-826C-48F9-8F36-291899E28248}" type="datetimeFigureOut">
               <a:rPr lang="en-US" smtClean="0"/>
-              <a:t>1/19/2024</a:t>
+              <a:t>1/21/2024</a:t>
             </a:fld>
             <a:endParaRPr lang="en-US"/>
           </a:p>
@@ -4225,7 +3339,7 @@
           <a:p>
             <a:fld id="{9D78718E-826C-48F9-8F36-291899E28248}" type="datetimeFigureOut">
               <a:rPr lang="en-US" smtClean="0"/>
-              <a:t>1/19/2024</a:t>
+              <a:t>1/21/2024</a:t>
             </a:fld>
             <a:endParaRPr lang="en-US"/>
           </a:p>
@@ -4637,7 +3751,7 @@
           <a:p>
             <a:fld id="{9D78718E-826C-48F9-8F36-291899E28248}" type="datetimeFigureOut">
               <a:rPr lang="en-US" smtClean="0"/>
-              <a:t>1/19/2024</a:t>
+              <a:t>1/21/2024</a:t>
             </a:fld>
             <a:endParaRPr lang="en-US"/>
           </a:p>
@@ -4778,7 +3892,7 @@
           <a:p>
             <a:fld id="{9D78718E-826C-48F9-8F36-291899E28248}" type="datetimeFigureOut">
               <a:rPr lang="en-US" smtClean="0"/>
-              <a:t>1/19/2024</a:t>
+              <a:t>1/21/2024</a:t>
             </a:fld>
             <a:endParaRPr lang="en-US"/>
           </a:p>
@@ -4891,7 +4005,7 @@
           <a:p>
             <a:fld id="{9D78718E-826C-48F9-8F36-291899E28248}" type="datetimeFigureOut">
               <a:rPr lang="en-US" smtClean="0"/>
-              <a:t>1/19/2024</a:t>
+              <a:t>1/21/2024</a:t>
             </a:fld>
             <a:endParaRPr lang="en-US"/>
           </a:p>
@@ -5202,7 +4316,7 @@
           <a:p>
             <a:fld id="{9D78718E-826C-48F9-8F36-291899E28248}" type="datetimeFigureOut">
               <a:rPr lang="en-US" smtClean="0"/>
-              <a:t>1/19/2024</a:t>
+              <a:t>1/21/2024</a:t>
             </a:fld>
             <a:endParaRPr lang="en-US"/>
           </a:p>
@@ -5490,7 +4604,7 @@
           <a:p>
             <a:fld id="{9D78718E-826C-48F9-8F36-291899E28248}" type="datetimeFigureOut">
               <a:rPr lang="en-US" smtClean="0"/>
-              <a:t>1/19/2024</a:t>
+              <a:t>1/21/2024</a:t>
             </a:fld>
             <a:endParaRPr lang="en-US"/>
           </a:p>
@@ -5731,7 +4845,7 @@
           <a:p>
             <a:fld id="{9D78718E-826C-48F9-8F36-291899E28248}" type="datetimeFigureOut">
               <a:rPr lang="en-US" smtClean="0"/>
-              <a:t>1/19/2024</a:t>
+              <a:t>1/21/2024</a:t>
             </a:fld>
             <a:endParaRPr lang="en-US"/>
           </a:p>
@@ -6259,1132 +5373,6 @@
           <a:chExt cx="0" cy="0"/>
         </a:xfrm>
       </p:grpSpPr>
-      <p:graphicFrame>
-        <p:nvGraphicFramePr>
-          <p:cNvPr id="36866" name="Group 2"/>
-          <p:cNvGraphicFramePr>
-            <a:graphicFrameLocks noGrp="1"/>
-          </p:cNvGraphicFramePr>
-          <p:nvPr/>
-        </p:nvGraphicFramePr>
-        <p:xfrm>
-          <a:off x="1828800" y="228600"/>
-          <a:ext cx="4267200" cy="2954020"/>
-        </p:xfrm>
-        <a:graphic>
-          <a:graphicData uri="http://schemas.openxmlformats.org/drawingml/2006/table">
-            <a:tbl>
-              <a:tblPr/>
-              <a:tblGrid>
-                <a:gridCol w="1422400">
-                  <a:extLst>
-                    <a:ext uri="{9D8B030D-6E8A-4147-A177-3AD203B41FA5}">
-                      <a16:colId xmlns:a16="http://schemas.microsoft.com/office/drawing/2014/main" val="20000"/>
-                    </a:ext>
-                  </a:extLst>
-                </a:gridCol>
-                <a:gridCol w="1422400">
-                  <a:extLst>
-                    <a:ext uri="{9D8B030D-6E8A-4147-A177-3AD203B41FA5}">
-                      <a16:colId xmlns:a16="http://schemas.microsoft.com/office/drawing/2014/main" val="20001"/>
-                    </a:ext>
-                  </a:extLst>
-                </a:gridCol>
-                <a:gridCol w="1422400">
-                  <a:extLst>
-                    <a:ext uri="{9D8B030D-6E8A-4147-A177-3AD203B41FA5}">
-                      <a16:colId xmlns:a16="http://schemas.microsoft.com/office/drawing/2014/main" val="20002"/>
-                    </a:ext>
-                  </a:extLst>
-                </a:gridCol>
-              </a:tblGrid>
-              <a:tr h="1016000">
-                <a:tc>
-                  <a:txBody>
-                    <a:bodyPr/>
-                    <a:lstStyle/>
-                    <a:p>
-                      <a:pPr marL="0" marR="0" lvl="0" indent="0" algn="l" defTabSz="914400" rtl="0" eaLnBrk="1" fontAlgn="base" latinLnBrk="0" hangingPunct="1">
-                        <a:lnSpc>
-                          <a:spcPct val="100000"/>
-                        </a:lnSpc>
-                        <a:spcBef>
-                          <a:spcPct val="20000"/>
-                        </a:spcBef>
-                        <a:spcAft>
-                          <a:spcPct val="0"/>
-                        </a:spcAft>
-                        <a:buClrTx/>
-                        <a:buSzTx/>
-                        <a:buFontTx/>
-                        <a:buNone/>
-                        <a:tabLst/>
-                      </a:pPr>
-                      <a:endParaRPr kumimoji="0" lang="en-US" sz="2400" b="0" i="0" u="none" strike="noStrike" cap="none" normalizeH="0" baseline="0">
-                        <a:ln>
-                          <a:noFill/>
-                        </a:ln>
-                        <a:solidFill>
-                          <a:schemeClr val="tx1"/>
-                        </a:solidFill>
-                        <a:effectLst/>
-                        <a:latin typeface="Arial" charset="0"/>
-                      </a:endParaRPr>
-                    </a:p>
-                  </a:txBody>
-                  <a:tcPr horzOverflow="overflow">
-                    <a:lnL w="28575" cap="flat" cmpd="sng" algn="ctr">
-                      <a:solidFill>
-                        <a:schemeClr val="tx1"/>
-                      </a:solidFill>
-                      <a:prstDash val="solid"/>
-                      <a:round/>
-                      <a:headEnd type="none" w="med" len="med"/>
-                      <a:tailEnd type="none" w="med" len="med"/>
-                    </a:lnL>
-                    <a:lnR w="12700" cap="flat" cmpd="sng" algn="ctr">
-                      <a:solidFill>
-                        <a:schemeClr val="tx1"/>
-                      </a:solidFill>
-                      <a:prstDash val="solid"/>
-                      <a:round/>
-                      <a:headEnd type="none" w="med" len="med"/>
-                      <a:tailEnd type="none" w="med" len="med"/>
-                    </a:lnR>
-                    <a:lnT w="28575" cap="flat" cmpd="sng" algn="ctr">
-                      <a:solidFill>
-                        <a:schemeClr val="tx1"/>
-                      </a:solidFill>
-                      <a:prstDash val="solid"/>
-                      <a:round/>
-                      <a:headEnd type="none" w="med" len="med"/>
-                      <a:tailEnd type="none" w="med" len="med"/>
-                    </a:lnT>
-                    <a:lnB w="12700" cap="flat" cmpd="sng" algn="ctr">
-                      <a:solidFill>
-                        <a:schemeClr val="tx1"/>
-                      </a:solidFill>
-                      <a:prstDash val="solid"/>
-                      <a:round/>
-                      <a:headEnd type="none" w="med" len="med"/>
-                      <a:tailEnd type="none" w="med" len="med"/>
-                    </a:lnB>
-                    <a:lnTlToBr>
-                      <a:noFill/>
-                    </a:lnTlToBr>
-                    <a:lnBlToTr>
-                      <a:noFill/>
-                    </a:lnBlToTr>
-                    <a:noFill/>
-                  </a:tcPr>
-                </a:tc>
-                <a:tc>
-                  <a:txBody>
-                    <a:bodyPr/>
-                    <a:lstStyle/>
-                    <a:p>
-                      <a:pPr marL="0" marR="0" lvl="0" indent="0" algn="l" defTabSz="914400" rtl="0" eaLnBrk="1" fontAlgn="base" latinLnBrk="0" hangingPunct="1">
-                        <a:lnSpc>
-                          <a:spcPct val="100000"/>
-                        </a:lnSpc>
-                        <a:spcBef>
-                          <a:spcPct val="20000"/>
-                        </a:spcBef>
-                        <a:spcAft>
-                          <a:spcPct val="0"/>
-                        </a:spcAft>
-                        <a:buClrTx/>
-                        <a:buSzTx/>
-                        <a:buFontTx/>
-                        <a:buNone/>
-                        <a:tabLst/>
-                      </a:pPr>
-                      <a:r>
-                        <a:rPr kumimoji="0" lang="en-US" sz="2400" b="0" i="0" u="none" strike="noStrike" cap="none" normalizeH="0" baseline="0">
-                          <a:ln>
-                            <a:noFill/>
-                          </a:ln>
-                          <a:solidFill>
-                            <a:schemeClr val="tx1"/>
-                          </a:solidFill>
-                          <a:effectLst/>
-                          <a:latin typeface="Arial" charset="0"/>
-                        </a:rPr>
-                        <a:t>Building toys</a:t>
-                      </a:r>
-                    </a:p>
-                  </a:txBody>
-                  <a:tcPr horzOverflow="overflow">
-                    <a:lnL w="12700" cap="flat" cmpd="sng" algn="ctr">
-                      <a:solidFill>
-                        <a:schemeClr val="tx1"/>
-                      </a:solidFill>
-                      <a:prstDash val="solid"/>
-                      <a:round/>
-                      <a:headEnd type="none" w="med" len="med"/>
-                      <a:tailEnd type="none" w="med" len="med"/>
-                    </a:lnL>
-                    <a:lnR w="12700" cap="flat" cmpd="sng" algn="ctr">
-                      <a:solidFill>
-                        <a:schemeClr val="tx1"/>
-                      </a:solidFill>
-                      <a:prstDash val="solid"/>
-                      <a:round/>
-                      <a:headEnd type="none" w="med" len="med"/>
-                      <a:tailEnd type="none" w="med" len="med"/>
-                    </a:lnR>
-                    <a:lnT w="28575" cap="flat" cmpd="sng" algn="ctr">
-                      <a:solidFill>
-                        <a:schemeClr val="tx1"/>
-                      </a:solidFill>
-                      <a:prstDash val="solid"/>
-                      <a:round/>
-                      <a:headEnd type="none" w="med" len="med"/>
-                      <a:tailEnd type="none" w="med" len="med"/>
-                    </a:lnT>
-                    <a:lnB w="12700" cap="flat" cmpd="sng" algn="ctr">
-                      <a:solidFill>
-                        <a:schemeClr val="tx1"/>
-                      </a:solidFill>
-                      <a:prstDash val="solid"/>
-                      <a:round/>
-                      <a:headEnd type="none" w="med" len="med"/>
-                      <a:tailEnd type="none" w="med" len="med"/>
-                    </a:lnB>
-                    <a:lnTlToBr>
-                      <a:noFill/>
-                    </a:lnTlToBr>
-                    <a:lnBlToTr>
-                      <a:noFill/>
-                    </a:lnBlToTr>
-                    <a:noFill/>
-                  </a:tcPr>
-                </a:tc>
-                <a:tc>
-                  <a:txBody>
-                    <a:bodyPr/>
-                    <a:lstStyle/>
-                    <a:p>
-                      <a:pPr marL="0" marR="0" lvl="0" indent="0" algn="l" defTabSz="914400" rtl="0" eaLnBrk="1" fontAlgn="base" latinLnBrk="0" hangingPunct="1">
-                        <a:lnSpc>
-                          <a:spcPct val="100000"/>
-                        </a:lnSpc>
-                        <a:spcBef>
-                          <a:spcPct val="20000"/>
-                        </a:spcBef>
-                        <a:spcAft>
-                          <a:spcPct val="0"/>
-                        </a:spcAft>
-                        <a:buClrTx/>
-                        <a:buSzTx/>
-                        <a:buFontTx/>
-                        <a:buNone/>
-                        <a:tabLst/>
-                      </a:pPr>
-                      <a:r>
-                        <a:rPr kumimoji="0" lang="en-US" sz="2400" b="0" i="0" u="none" strike="noStrike" cap="none" normalizeH="0" baseline="0">
-                          <a:ln>
-                            <a:noFill/>
-                          </a:ln>
-                          <a:solidFill>
-                            <a:schemeClr val="tx1"/>
-                          </a:solidFill>
-                          <a:effectLst/>
-                          <a:latin typeface="Arial" charset="0"/>
-                        </a:rPr>
-                        <a:t>Non-building toys</a:t>
-                      </a:r>
-                    </a:p>
-                  </a:txBody>
-                  <a:tcPr horzOverflow="overflow">
-                    <a:lnL w="12700" cap="flat" cmpd="sng" algn="ctr">
-                      <a:solidFill>
-                        <a:schemeClr val="tx1"/>
-                      </a:solidFill>
-                      <a:prstDash val="solid"/>
-                      <a:round/>
-                      <a:headEnd type="none" w="med" len="med"/>
-                      <a:tailEnd type="none" w="med" len="med"/>
-                    </a:lnL>
-                    <a:lnR w="28575" cap="flat" cmpd="sng" algn="ctr">
-                      <a:solidFill>
-                        <a:schemeClr val="tx1"/>
-                      </a:solidFill>
-                      <a:prstDash val="solid"/>
-                      <a:round/>
-                      <a:headEnd type="none" w="med" len="med"/>
-                      <a:tailEnd type="none" w="med" len="med"/>
-                    </a:lnR>
-                    <a:lnT w="28575" cap="flat" cmpd="sng" algn="ctr">
-                      <a:solidFill>
-                        <a:schemeClr val="tx1"/>
-                      </a:solidFill>
-                      <a:prstDash val="solid"/>
-                      <a:round/>
-                      <a:headEnd type="none" w="med" len="med"/>
-                      <a:tailEnd type="none" w="med" len="med"/>
-                    </a:lnT>
-                    <a:lnB w="12700" cap="flat" cmpd="sng" algn="ctr">
-                      <a:solidFill>
-                        <a:schemeClr val="tx1"/>
-                      </a:solidFill>
-                      <a:prstDash val="solid"/>
-                      <a:round/>
-                      <a:headEnd type="none" w="med" len="med"/>
-                      <a:tailEnd type="none" w="med" len="med"/>
-                    </a:lnB>
-                    <a:lnTlToBr>
-                      <a:noFill/>
-                    </a:lnTlToBr>
-                    <a:lnBlToTr>
-                      <a:noFill/>
-                    </a:lnBlToTr>
-                    <a:noFill/>
-                  </a:tcPr>
-                </a:tc>
-                <a:extLst>
-                  <a:ext uri="{0D108BD9-81ED-4DB2-BD59-A6C34878D82A}">
-                    <a16:rowId xmlns:a16="http://schemas.microsoft.com/office/drawing/2014/main" val="10000"/>
-                  </a:ext>
-                </a:extLst>
-              </a:tr>
-              <a:tr h="882650">
-                <a:tc>
-                  <a:txBody>
-                    <a:bodyPr/>
-                    <a:lstStyle/>
-                    <a:p>
-                      <a:pPr marL="0" marR="0" lvl="0" indent="0" algn="l" defTabSz="914400" rtl="0" eaLnBrk="1" fontAlgn="base" latinLnBrk="0" hangingPunct="1">
-                        <a:lnSpc>
-                          <a:spcPct val="100000"/>
-                        </a:lnSpc>
-                        <a:spcBef>
-                          <a:spcPct val="20000"/>
-                        </a:spcBef>
-                        <a:spcAft>
-                          <a:spcPct val="0"/>
-                        </a:spcAft>
-                        <a:buClrTx/>
-                        <a:buSzTx/>
-                        <a:buFontTx/>
-                        <a:buNone/>
-                        <a:tabLst/>
-                      </a:pPr>
-                      <a:r>
-                        <a:rPr kumimoji="0" lang="en-US" sz="2400" b="0" i="0" u="none" strike="noStrike" cap="none" normalizeH="0" baseline="0">
-                          <a:ln>
-                            <a:noFill/>
-                          </a:ln>
-                          <a:solidFill>
-                            <a:schemeClr val="tx1"/>
-                          </a:solidFill>
-                          <a:effectLst/>
-                          <a:latin typeface="Arial" charset="0"/>
-                        </a:rPr>
-                        <a:t>Boys</a:t>
-                      </a:r>
-                    </a:p>
-                  </a:txBody>
-                  <a:tcPr horzOverflow="overflow">
-                    <a:lnL w="28575" cap="flat" cmpd="sng" algn="ctr">
-                      <a:solidFill>
-                        <a:schemeClr val="tx1"/>
-                      </a:solidFill>
-                      <a:prstDash val="solid"/>
-                      <a:round/>
-                      <a:headEnd type="none" w="med" len="med"/>
-                      <a:tailEnd type="none" w="med" len="med"/>
-                    </a:lnL>
-                    <a:lnR w="12700" cap="flat" cmpd="sng" algn="ctr">
-                      <a:solidFill>
-                        <a:schemeClr val="tx1"/>
-                      </a:solidFill>
-                      <a:prstDash val="solid"/>
-                      <a:round/>
-                      <a:headEnd type="none" w="med" len="med"/>
-                      <a:tailEnd type="none" w="med" len="med"/>
-                    </a:lnR>
-                    <a:lnT w="12700" cap="flat" cmpd="sng" algn="ctr">
-                      <a:solidFill>
-                        <a:schemeClr val="tx1"/>
-                      </a:solidFill>
-                      <a:prstDash val="solid"/>
-                      <a:round/>
-                      <a:headEnd type="none" w="med" len="med"/>
-                      <a:tailEnd type="none" w="med" len="med"/>
-                    </a:lnT>
-                    <a:lnB w="12700" cap="flat" cmpd="sng" algn="ctr">
-                      <a:solidFill>
-                        <a:schemeClr val="tx1"/>
-                      </a:solidFill>
-                      <a:prstDash val="solid"/>
-                      <a:round/>
-                      <a:headEnd type="none" w="med" len="med"/>
-                      <a:tailEnd type="none" w="med" len="med"/>
-                    </a:lnB>
-                    <a:lnTlToBr>
-                      <a:noFill/>
-                    </a:lnTlToBr>
-                    <a:lnBlToTr>
-                      <a:noFill/>
-                    </a:lnBlToTr>
-                    <a:noFill/>
-                  </a:tcPr>
-                </a:tc>
-                <a:tc>
-                  <a:txBody>
-                    <a:bodyPr/>
-                    <a:lstStyle/>
-                    <a:p>
-                      <a:pPr marL="0" marR="0" lvl="0" indent="0" algn="l" defTabSz="914400" rtl="0" eaLnBrk="1" fontAlgn="base" latinLnBrk="0" hangingPunct="1">
-                        <a:lnSpc>
-                          <a:spcPct val="100000"/>
-                        </a:lnSpc>
-                        <a:spcBef>
-                          <a:spcPct val="20000"/>
-                        </a:spcBef>
-                        <a:spcAft>
-                          <a:spcPct val="0"/>
-                        </a:spcAft>
-                        <a:buClrTx/>
-                        <a:buSzTx/>
-                        <a:buFontTx/>
-                        <a:buNone/>
-                        <a:tabLst/>
-                      </a:pPr>
-                      <a:endParaRPr kumimoji="0" lang="en-US" sz="2400" b="0" i="0" u="none" strike="noStrike" cap="none" normalizeH="0" baseline="0">
-                        <a:ln>
-                          <a:noFill/>
-                        </a:ln>
-                        <a:solidFill>
-                          <a:schemeClr val="tx1"/>
-                        </a:solidFill>
-                        <a:effectLst/>
-                        <a:latin typeface="Arial" charset="0"/>
-                      </a:endParaRPr>
-                    </a:p>
-                  </a:txBody>
-                  <a:tcPr horzOverflow="overflow">
-                    <a:lnL w="12700" cap="flat" cmpd="sng" algn="ctr">
-                      <a:solidFill>
-                        <a:schemeClr val="tx1"/>
-                      </a:solidFill>
-                      <a:prstDash val="solid"/>
-                      <a:round/>
-                      <a:headEnd type="none" w="med" len="med"/>
-                      <a:tailEnd type="none" w="med" len="med"/>
-                    </a:lnL>
-                    <a:lnR w="12700" cap="flat" cmpd="sng" algn="ctr">
-                      <a:solidFill>
-                        <a:schemeClr val="tx1"/>
-                      </a:solidFill>
-                      <a:prstDash val="solid"/>
-                      <a:round/>
-                      <a:headEnd type="none" w="med" len="med"/>
-                      <a:tailEnd type="none" w="med" len="med"/>
-                    </a:lnR>
-                    <a:lnT w="12700" cap="flat" cmpd="sng" algn="ctr">
-                      <a:solidFill>
-                        <a:schemeClr val="tx1"/>
-                      </a:solidFill>
-                      <a:prstDash val="solid"/>
-                      <a:round/>
-                      <a:headEnd type="none" w="med" len="med"/>
-                      <a:tailEnd type="none" w="med" len="med"/>
-                    </a:lnT>
-                    <a:lnB w="12700" cap="flat" cmpd="sng" algn="ctr">
-                      <a:solidFill>
-                        <a:schemeClr val="tx1"/>
-                      </a:solidFill>
-                      <a:prstDash val="solid"/>
-                      <a:round/>
-                      <a:headEnd type="none" w="med" len="med"/>
-                      <a:tailEnd type="none" w="med" len="med"/>
-                    </a:lnB>
-                    <a:lnTlToBr>
-                      <a:noFill/>
-                    </a:lnTlToBr>
-                    <a:lnBlToTr>
-                      <a:noFill/>
-                    </a:lnBlToTr>
-                    <a:noFill/>
-                  </a:tcPr>
-                </a:tc>
-                <a:tc>
-                  <a:txBody>
-                    <a:bodyPr/>
-                    <a:lstStyle/>
-                    <a:p>
-                      <a:pPr marL="0" marR="0" lvl="0" indent="0" algn="l" defTabSz="914400" rtl="0" eaLnBrk="1" fontAlgn="base" latinLnBrk="0" hangingPunct="1">
-                        <a:lnSpc>
-                          <a:spcPct val="100000"/>
-                        </a:lnSpc>
-                        <a:spcBef>
-                          <a:spcPct val="20000"/>
-                        </a:spcBef>
-                        <a:spcAft>
-                          <a:spcPct val="0"/>
-                        </a:spcAft>
-                        <a:buClrTx/>
-                        <a:buSzTx/>
-                        <a:buFontTx/>
-                        <a:buNone/>
-                        <a:tabLst/>
-                      </a:pPr>
-                      <a:endParaRPr kumimoji="0" lang="en-US" sz="2400" b="0" i="0" u="none" strike="noStrike" cap="none" normalizeH="0" baseline="0">
-                        <a:ln>
-                          <a:noFill/>
-                        </a:ln>
-                        <a:solidFill>
-                          <a:schemeClr val="tx1"/>
-                        </a:solidFill>
-                        <a:effectLst/>
-                        <a:latin typeface="Arial" charset="0"/>
-                      </a:endParaRPr>
-                    </a:p>
-                  </a:txBody>
-                  <a:tcPr horzOverflow="overflow">
-                    <a:lnL w="12700" cap="flat" cmpd="sng" algn="ctr">
-                      <a:solidFill>
-                        <a:schemeClr val="tx1"/>
-                      </a:solidFill>
-                      <a:prstDash val="solid"/>
-                      <a:round/>
-                      <a:headEnd type="none" w="med" len="med"/>
-                      <a:tailEnd type="none" w="med" len="med"/>
-                    </a:lnL>
-                    <a:lnR w="28575" cap="flat" cmpd="sng" algn="ctr">
-                      <a:solidFill>
-                        <a:schemeClr val="tx1"/>
-                      </a:solidFill>
-                      <a:prstDash val="solid"/>
-                      <a:round/>
-                      <a:headEnd type="none" w="med" len="med"/>
-                      <a:tailEnd type="none" w="med" len="med"/>
-                    </a:lnR>
-                    <a:lnT w="12700" cap="flat" cmpd="sng" algn="ctr">
-                      <a:solidFill>
-                        <a:schemeClr val="tx1"/>
-                      </a:solidFill>
-                      <a:prstDash val="solid"/>
-                      <a:round/>
-                      <a:headEnd type="none" w="med" len="med"/>
-                      <a:tailEnd type="none" w="med" len="med"/>
-                    </a:lnT>
-                    <a:lnB w="12700" cap="flat" cmpd="sng" algn="ctr">
-                      <a:solidFill>
-                        <a:schemeClr val="tx1"/>
-                      </a:solidFill>
-                      <a:prstDash val="solid"/>
-                      <a:round/>
-                      <a:headEnd type="none" w="med" len="med"/>
-                      <a:tailEnd type="none" w="med" len="med"/>
-                    </a:lnB>
-                    <a:lnTlToBr>
-                      <a:noFill/>
-                    </a:lnTlToBr>
-                    <a:lnBlToTr>
-                      <a:noFill/>
-                    </a:lnBlToTr>
-                    <a:noFill/>
-                  </a:tcPr>
-                </a:tc>
-                <a:extLst>
-                  <a:ext uri="{0D108BD9-81ED-4DB2-BD59-A6C34878D82A}">
-                    <a16:rowId xmlns:a16="http://schemas.microsoft.com/office/drawing/2014/main" val="10001"/>
-                  </a:ext>
-                </a:extLst>
-              </a:tr>
-              <a:tr h="882650">
-                <a:tc>
-                  <a:txBody>
-                    <a:bodyPr/>
-                    <a:lstStyle/>
-                    <a:p>
-                      <a:pPr marL="0" marR="0" lvl="0" indent="0" algn="l" defTabSz="914400" rtl="0" eaLnBrk="1" fontAlgn="base" latinLnBrk="0" hangingPunct="1">
-                        <a:lnSpc>
-                          <a:spcPct val="100000"/>
-                        </a:lnSpc>
-                        <a:spcBef>
-                          <a:spcPct val="20000"/>
-                        </a:spcBef>
-                        <a:spcAft>
-                          <a:spcPct val="0"/>
-                        </a:spcAft>
-                        <a:buClrTx/>
-                        <a:buSzTx/>
-                        <a:buFontTx/>
-                        <a:buNone/>
-                        <a:tabLst/>
-                      </a:pPr>
-                      <a:r>
-                        <a:rPr kumimoji="0" lang="en-US" sz="2400" b="0" i="0" u="none" strike="noStrike" cap="none" normalizeH="0" baseline="0">
-                          <a:ln>
-                            <a:noFill/>
-                          </a:ln>
-                          <a:solidFill>
-                            <a:schemeClr val="tx1"/>
-                          </a:solidFill>
-                          <a:effectLst/>
-                          <a:latin typeface="Arial" charset="0"/>
-                        </a:rPr>
-                        <a:t>Girls</a:t>
-                      </a:r>
-                    </a:p>
-                  </a:txBody>
-                  <a:tcPr horzOverflow="overflow">
-                    <a:lnL w="28575" cap="flat" cmpd="sng" algn="ctr">
-                      <a:solidFill>
-                        <a:schemeClr val="tx1"/>
-                      </a:solidFill>
-                      <a:prstDash val="solid"/>
-                      <a:round/>
-                      <a:headEnd type="none" w="med" len="med"/>
-                      <a:tailEnd type="none" w="med" len="med"/>
-                    </a:lnL>
-                    <a:lnR w="12700" cap="flat" cmpd="sng" algn="ctr">
-                      <a:solidFill>
-                        <a:schemeClr val="tx1"/>
-                      </a:solidFill>
-                      <a:prstDash val="solid"/>
-                      <a:round/>
-                      <a:headEnd type="none" w="med" len="med"/>
-                      <a:tailEnd type="none" w="med" len="med"/>
-                    </a:lnR>
-                    <a:lnT w="12700" cap="flat" cmpd="sng" algn="ctr">
-                      <a:solidFill>
-                        <a:schemeClr val="tx1"/>
-                      </a:solidFill>
-                      <a:prstDash val="solid"/>
-                      <a:round/>
-                      <a:headEnd type="none" w="med" len="med"/>
-                      <a:tailEnd type="none" w="med" len="med"/>
-                    </a:lnT>
-                    <a:lnB w="28575" cap="flat" cmpd="sng" algn="ctr">
-                      <a:solidFill>
-                        <a:schemeClr val="tx1"/>
-                      </a:solidFill>
-                      <a:prstDash val="solid"/>
-                      <a:round/>
-                      <a:headEnd type="none" w="med" len="med"/>
-                      <a:tailEnd type="none" w="med" len="med"/>
-                    </a:lnB>
-                    <a:lnTlToBr>
-                      <a:noFill/>
-                    </a:lnTlToBr>
-                    <a:lnBlToTr>
-                      <a:noFill/>
-                    </a:lnBlToTr>
-                    <a:noFill/>
-                  </a:tcPr>
-                </a:tc>
-                <a:tc>
-                  <a:txBody>
-                    <a:bodyPr/>
-                    <a:lstStyle/>
-                    <a:p>
-                      <a:pPr marL="0" marR="0" lvl="0" indent="0" algn="l" defTabSz="914400" rtl="0" eaLnBrk="1" fontAlgn="base" latinLnBrk="0" hangingPunct="1">
-                        <a:lnSpc>
-                          <a:spcPct val="100000"/>
-                        </a:lnSpc>
-                        <a:spcBef>
-                          <a:spcPct val="20000"/>
-                        </a:spcBef>
-                        <a:spcAft>
-                          <a:spcPct val="0"/>
-                        </a:spcAft>
-                        <a:buClrTx/>
-                        <a:buSzTx/>
-                        <a:buFontTx/>
-                        <a:buNone/>
-                        <a:tabLst/>
-                      </a:pPr>
-                      <a:endParaRPr kumimoji="0" lang="en-US" sz="2400" b="0" i="0" u="none" strike="noStrike" cap="none" normalizeH="0" baseline="0">
-                        <a:ln>
-                          <a:noFill/>
-                        </a:ln>
-                        <a:solidFill>
-                          <a:schemeClr val="tx1"/>
-                        </a:solidFill>
-                        <a:effectLst/>
-                        <a:latin typeface="Arial" charset="0"/>
-                      </a:endParaRPr>
-                    </a:p>
-                  </a:txBody>
-                  <a:tcPr horzOverflow="overflow">
-                    <a:lnL w="12700" cap="flat" cmpd="sng" algn="ctr">
-                      <a:solidFill>
-                        <a:schemeClr val="tx1"/>
-                      </a:solidFill>
-                      <a:prstDash val="solid"/>
-                      <a:round/>
-                      <a:headEnd type="none" w="med" len="med"/>
-                      <a:tailEnd type="none" w="med" len="med"/>
-                    </a:lnL>
-                    <a:lnR w="12700" cap="flat" cmpd="sng" algn="ctr">
-                      <a:solidFill>
-                        <a:schemeClr val="tx1"/>
-                      </a:solidFill>
-                      <a:prstDash val="solid"/>
-                      <a:round/>
-                      <a:headEnd type="none" w="med" len="med"/>
-                      <a:tailEnd type="none" w="med" len="med"/>
-                    </a:lnR>
-                    <a:lnT w="12700" cap="flat" cmpd="sng" algn="ctr">
-                      <a:solidFill>
-                        <a:schemeClr val="tx1"/>
-                      </a:solidFill>
-                      <a:prstDash val="solid"/>
-                      <a:round/>
-                      <a:headEnd type="none" w="med" len="med"/>
-                      <a:tailEnd type="none" w="med" len="med"/>
-                    </a:lnT>
-                    <a:lnB w="28575" cap="flat" cmpd="sng" algn="ctr">
-                      <a:solidFill>
-                        <a:schemeClr val="tx1"/>
-                      </a:solidFill>
-                      <a:prstDash val="solid"/>
-                      <a:round/>
-                      <a:headEnd type="none" w="med" len="med"/>
-                      <a:tailEnd type="none" w="med" len="med"/>
-                    </a:lnB>
-                    <a:lnTlToBr>
-                      <a:noFill/>
-                    </a:lnTlToBr>
-                    <a:lnBlToTr>
-                      <a:noFill/>
-                    </a:lnBlToTr>
-                    <a:noFill/>
-                  </a:tcPr>
-                </a:tc>
-                <a:tc>
-                  <a:txBody>
-                    <a:bodyPr/>
-                    <a:lstStyle/>
-                    <a:p>
-                      <a:pPr marL="0" marR="0" lvl="0" indent="0" algn="l" defTabSz="914400" rtl="0" eaLnBrk="1" fontAlgn="base" latinLnBrk="0" hangingPunct="1">
-                        <a:lnSpc>
-                          <a:spcPct val="100000"/>
-                        </a:lnSpc>
-                        <a:spcBef>
-                          <a:spcPct val="20000"/>
-                        </a:spcBef>
-                        <a:spcAft>
-                          <a:spcPct val="0"/>
-                        </a:spcAft>
-                        <a:buClrTx/>
-                        <a:buSzTx/>
-                        <a:buFontTx/>
-                        <a:buNone/>
-                        <a:tabLst/>
-                      </a:pPr>
-                      <a:endParaRPr kumimoji="0" lang="en-US" sz="2400" b="0" i="0" u="none" strike="noStrike" cap="none" normalizeH="0" baseline="0">
-                        <a:ln>
-                          <a:noFill/>
-                        </a:ln>
-                        <a:solidFill>
-                          <a:schemeClr val="tx1"/>
-                        </a:solidFill>
-                        <a:effectLst/>
-                        <a:latin typeface="Arial" charset="0"/>
-                      </a:endParaRPr>
-                    </a:p>
-                  </a:txBody>
-                  <a:tcPr horzOverflow="overflow">
-                    <a:lnL w="12700" cap="flat" cmpd="sng" algn="ctr">
-                      <a:solidFill>
-                        <a:schemeClr val="tx1"/>
-                      </a:solidFill>
-                      <a:prstDash val="solid"/>
-                      <a:round/>
-                      <a:headEnd type="none" w="med" len="med"/>
-                      <a:tailEnd type="none" w="med" len="med"/>
-                    </a:lnL>
-                    <a:lnR w="28575" cap="flat" cmpd="sng" algn="ctr">
-                      <a:solidFill>
-                        <a:schemeClr val="tx1"/>
-                      </a:solidFill>
-                      <a:prstDash val="solid"/>
-                      <a:round/>
-                      <a:headEnd type="none" w="med" len="med"/>
-                      <a:tailEnd type="none" w="med" len="med"/>
-                    </a:lnR>
-                    <a:lnT w="12700" cap="flat" cmpd="sng" algn="ctr">
-                      <a:solidFill>
-                        <a:schemeClr val="tx1"/>
-                      </a:solidFill>
-                      <a:prstDash val="solid"/>
-                      <a:round/>
-                      <a:headEnd type="none" w="med" len="med"/>
-                      <a:tailEnd type="none" w="med" len="med"/>
-                    </a:lnT>
-                    <a:lnB w="28575" cap="flat" cmpd="sng" algn="ctr">
-                      <a:solidFill>
-                        <a:schemeClr val="tx1"/>
-                      </a:solidFill>
-                      <a:prstDash val="solid"/>
-                      <a:round/>
-                      <a:headEnd type="none" w="med" len="med"/>
-                      <a:tailEnd type="none" w="med" len="med"/>
-                    </a:lnB>
-                    <a:lnTlToBr>
-                      <a:noFill/>
-                    </a:lnTlToBr>
-                    <a:lnBlToTr>
-                      <a:noFill/>
-                    </a:lnBlToTr>
-                    <a:noFill/>
-                  </a:tcPr>
-                </a:tc>
-                <a:extLst>
-                  <a:ext uri="{0D108BD9-81ED-4DB2-BD59-A6C34878D82A}">
-                    <a16:rowId xmlns:a16="http://schemas.microsoft.com/office/drawing/2014/main" val="10002"/>
-                  </a:ext>
-                </a:extLst>
-              </a:tr>
-            </a:tbl>
-          </a:graphicData>
-        </a:graphic>
-      </p:graphicFrame>
-      <p:graphicFrame>
-        <p:nvGraphicFramePr>
-          <p:cNvPr id="3" name="Object 20"/>
-          <p:cNvGraphicFramePr>
-            <a:graphicFrameLocks noChangeAspect="1"/>
-          </p:cNvGraphicFramePr>
-          <p:nvPr>
-            <p:extLst>
-              <p:ext uri="{D42A27DB-BD31-4B8C-83A1-F6EECF244321}">
-                <p14:modId xmlns:p14="http://schemas.microsoft.com/office/powerpoint/2010/main" val="4094940949"/>
-              </p:ext>
-            </p:extLst>
-          </p:nvPr>
-        </p:nvGraphicFramePr>
-        <p:xfrm>
-          <a:off x="5613400" y="3252789"/>
-          <a:ext cx="5003800" cy="3278187"/>
-        </p:xfrm>
-        <a:graphic>
-          <a:graphicData uri="http://schemas.openxmlformats.org/drawingml/2006/chart">
-            <c:chart xmlns:c="http://schemas.openxmlformats.org/drawingml/2006/chart" xmlns:r="http://schemas.openxmlformats.org/officeDocument/2006/relationships" r:id="rId3"/>
-          </a:graphicData>
-        </a:graphic>
-      </p:graphicFrame>
-      <p:grpSp>
-        <p:nvGrpSpPr>
-          <p:cNvPr id="2" name="Group 21"/>
-          <p:cNvGrpSpPr>
-            <a:grpSpLocks/>
-          </p:cNvGrpSpPr>
-          <p:nvPr/>
-        </p:nvGrpSpPr>
-        <p:grpSpPr bwMode="auto">
-          <a:xfrm>
-            <a:off x="3657601" y="1636714"/>
-            <a:ext cx="1831975" cy="1208087"/>
-            <a:chOff x="1344" y="1031"/>
-            <a:chExt cx="1154" cy="761"/>
-          </a:xfrm>
-        </p:grpSpPr>
-        <p:sp>
-          <p:nvSpPr>
-            <p:cNvPr id="1046" name="Text Box 22"/>
-            <p:cNvSpPr txBox="1">
-              <a:spLocks noChangeArrowheads="1"/>
-            </p:cNvSpPr>
-            <p:nvPr/>
-          </p:nvSpPr>
-          <p:spPr bwMode="auto">
-            <a:xfrm>
-              <a:off x="1344" y="1031"/>
-              <a:ext cx="300" cy="233"/>
-            </a:xfrm>
-            <a:prstGeom prst="rect">
-              <a:avLst/>
-            </a:prstGeom>
-            <a:noFill/>
-            <a:ln w="9525">
-              <a:noFill/>
-              <a:miter lim="800000"/>
-              <a:headEnd/>
-              <a:tailEnd/>
-            </a:ln>
-          </p:spPr>
-          <p:txBody>
-            <a:bodyPr wrap="none">
-              <a:spAutoFit/>
-            </a:bodyPr>
-            <a:lstStyle/>
-            <a:p>
-              <a:r>
-                <a:rPr lang="en-US"/>
-                <a:t>7.3</a:t>
-              </a:r>
-            </a:p>
-          </p:txBody>
-        </p:sp>
-        <p:sp>
-          <p:nvSpPr>
-            <p:cNvPr id="1047" name="Text Box 23"/>
-            <p:cNvSpPr txBox="1">
-              <a:spLocks noChangeArrowheads="1"/>
-            </p:cNvSpPr>
-            <p:nvPr/>
-          </p:nvSpPr>
-          <p:spPr bwMode="auto">
-            <a:xfrm>
-              <a:off x="2198" y="1031"/>
-              <a:ext cx="300" cy="233"/>
-            </a:xfrm>
-            <a:prstGeom prst="rect">
-              <a:avLst/>
-            </a:prstGeom>
-            <a:noFill/>
-            <a:ln w="9525">
-              <a:noFill/>
-              <a:miter lim="800000"/>
-              <a:headEnd/>
-              <a:tailEnd/>
-            </a:ln>
-          </p:spPr>
-          <p:txBody>
-            <a:bodyPr wrap="none">
-              <a:spAutoFit/>
-            </a:bodyPr>
-            <a:lstStyle/>
-            <a:p>
-              <a:r>
-                <a:rPr lang="en-US"/>
-                <a:t>5.6</a:t>
-              </a:r>
-            </a:p>
-          </p:txBody>
-        </p:sp>
-        <p:sp>
-          <p:nvSpPr>
-            <p:cNvPr id="1048" name="Text Box 24"/>
-            <p:cNvSpPr txBox="1">
-              <a:spLocks noChangeArrowheads="1"/>
-            </p:cNvSpPr>
-            <p:nvPr/>
-          </p:nvSpPr>
-          <p:spPr bwMode="auto">
-            <a:xfrm>
-              <a:off x="1344" y="1559"/>
-              <a:ext cx="300" cy="233"/>
-            </a:xfrm>
-            <a:prstGeom prst="rect">
-              <a:avLst/>
-            </a:prstGeom>
-            <a:noFill/>
-            <a:ln w="9525">
-              <a:noFill/>
-              <a:miter lim="800000"/>
-              <a:headEnd/>
-              <a:tailEnd/>
-            </a:ln>
-          </p:spPr>
-          <p:txBody>
-            <a:bodyPr wrap="none">
-              <a:spAutoFit/>
-            </a:bodyPr>
-            <a:lstStyle/>
-            <a:p>
-              <a:r>
-                <a:rPr lang="en-US"/>
-                <a:t>7.2</a:t>
-              </a:r>
-            </a:p>
-          </p:txBody>
-        </p:sp>
-        <p:sp>
-          <p:nvSpPr>
-            <p:cNvPr id="1049" name="Text Box 25"/>
-            <p:cNvSpPr txBox="1">
-              <a:spLocks noChangeArrowheads="1"/>
-            </p:cNvSpPr>
-            <p:nvPr/>
-          </p:nvSpPr>
-          <p:spPr bwMode="auto">
-            <a:xfrm>
-              <a:off x="2198" y="1559"/>
-              <a:ext cx="300" cy="233"/>
-            </a:xfrm>
-            <a:prstGeom prst="rect">
-              <a:avLst/>
-            </a:prstGeom>
-            <a:noFill/>
-            <a:ln w="9525">
-              <a:noFill/>
-              <a:miter lim="800000"/>
-              <a:headEnd/>
-              <a:tailEnd/>
-            </a:ln>
-          </p:spPr>
-          <p:txBody>
-            <a:bodyPr wrap="none">
-              <a:spAutoFit/>
-            </a:bodyPr>
-            <a:lstStyle/>
-            <a:p>
-              <a:r>
-                <a:rPr lang="en-US"/>
-                <a:t>5.7</a:t>
-              </a:r>
-            </a:p>
-          </p:txBody>
-        </p:sp>
-      </p:grpSp>
-    </p:spTree>
-  </p:cSld>
-  <p:clrMapOvr>
-    <a:masterClrMapping/>
-  </p:clrMapOvr>
-  <p:timing>
-    <p:tnLst>
-      <p:par>
-        <p:cTn id="1" dur="indefinite" restart="never" nodeType="tmRoot">
-          <p:childTnLst>
-            <p:seq concurrent="1" nextAc="seek">
-              <p:cTn id="2" dur="indefinite" nodeType="mainSeq">
-                <p:childTnLst>
-                  <p:par>
-                    <p:cTn id="3" fill="hold">
-                      <p:stCondLst>
-                        <p:cond delay="indefinite"/>
-                      </p:stCondLst>
-                      <p:childTnLst>
-                        <p:par>
-                          <p:cTn id="4" fill="hold">
-                            <p:stCondLst>
-                              <p:cond delay="0"/>
-                            </p:stCondLst>
-                            <p:childTnLst>
-                              <p:par>
-                                <p:cTn id="5" presetID="1" presetClass="entr" presetSubtype="0" fill="hold" nodeType="clickEffect">
-                                  <p:stCondLst>
-                                    <p:cond delay="0"/>
-                                  </p:stCondLst>
-                                  <p:childTnLst>
-                                    <p:set>
-                                      <p:cBhvr>
-                                        <p:cTn id="6" dur="1" fill="hold">
-                                          <p:stCondLst>
-                                            <p:cond delay="0"/>
-                                          </p:stCondLst>
-                                        </p:cTn>
-                                        <p:tgtEl>
-                                          <p:spTgt spid="2"/>
-                                        </p:tgtEl>
-                                        <p:attrNameLst>
-                                          <p:attrName>style.visibility</p:attrName>
-                                        </p:attrNameLst>
-                                      </p:cBhvr>
-                                      <p:to>
-                                        <p:strVal val="visible"/>
-                                      </p:to>
-                                    </p:set>
-                                  </p:childTnLst>
-                                </p:cTn>
-                              </p:par>
-                            </p:childTnLst>
-                          </p:cTn>
-                        </p:par>
-                      </p:childTnLst>
-                    </p:cTn>
-                  </p:par>
-                  <p:par>
-                    <p:cTn id="7" fill="hold">
-                      <p:stCondLst>
-                        <p:cond delay="indefinite"/>
-                      </p:stCondLst>
-                      <p:childTnLst>
-                        <p:par>
-                          <p:cTn id="8" fill="hold">
-                            <p:stCondLst>
-                              <p:cond delay="0"/>
-                            </p:stCondLst>
-                            <p:childTnLst>
-                              <p:par>
-                                <p:cTn id="9" presetID="1" presetClass="entr" presetSubtype="0" fill="hold" grpId="0" nodeType="clickEffect">
-                                  <p:stCondLst>
-                                    <p:cond delay="0"/>
-                                  </p:stCondLst>
-                                  <p:childTnLst>
-                                    <p:set>
-                                      <p:cBhvr>
-                                        <p:cTn id="10" dur="1" fill="hold">
-                                          <p:stCondLst>
-                                            <p:cond delay="0"/>
-                                          </p:stCondLst>
-                                        </p:cTn>
-                                        <p:tgtEl>
-                                          <p:spTgt spid="3"/>
-                                        </p:tgtEl>
-                                        <p:attrNameLst>
-                                          <p:attrName>style.visibility</p:attrName>
-                                        </p:attrNameLst>
-                                      </p:cBhvr>
-                                      <p:to>
-                                        <p:strVal val="visible"/>
-                                      </p:to>
-                                    </p:set>
-                                  </p:childTnLst>
-                                </p:cTn>
-                              </p:par>
-                            </p:childTnLst>
-                          </p:cTn>
-                        </p:par>
-                      </p:childTnLst>
-                    </p:cTn>
-                  </p:par>
-                </p:childTnLst>
-              </p:cTn>
-              <p:prevCondLst>
-                <p:cond evt="onPrev" delay="0">
-                  <p:tgtEl>
-                    <p:sldTgt/>
-                  </p:tgtEl>
-                </p:cond>
-              </p:prevCondLst>
-              <p:nextCondLst>
-                <p:cond evt="onNext" delay="0">
-                  <p:tgtEl>
-                    <p:sldTgt/>
-                  </p:tgtEl>
-                </p:cond>
-              </p:nextCondLst>
-            </p:seq>
-          </p:childTnLst>
-        </p:cTn>
-      </p:par>
-    </p:tnLst>
-    <p:bldLst>
-      <p:bldGraphic spid="3" grpId="0">
-        <p:bldAsOne/>
-      </p:bldGraphic>
-    </p:bldLst>
-  </p:timing>
-</p:sld>
-</file>
-
-<file path=ppt/slides/slide11.xml><?xml version="1.0" encoding="utf-8"?>
-<p:sld xmlns:a="http://schemas.openxmlformats.org/drawingml/2006/main" xmlns:r="http://schemas.openxmlformats.org/officeDocument/2006/relationships" xmlns:p="http://schemas.openxmlformats.org/presentationml/2006/main">
-  <p:cSld>
-    <p:spTree>
-      <p:nvGrpSpPr>
-        <p:cNvPr id="1" name=""/>
-        <p:cNvGrpSpPr/>
-        <p:nvPr/>
-      </p:nvGrpSpPr>
-      <p:grpSpPr>
-        <a:xfrm>
-          <a:off x="0" y="0"/>
-          <a:ext cx="0" cy="0"/>
-          <a:chOff x="0" y="0"/>
-          <a:chExt cx="0" cy="0"/>
-        </a:xfrm>
-      </p:grpSpPr>
       <p:sp>
         <p:nvSpPr>
           <p:cNvPr id="19458" name="Rectangle 2"/>
@@ -7503,7 +5491,7 @@
 </p:sld>
 </file>
 
-<file path=ppt/slides/slide12.xml><?xml version="1.0" encoding="utf-8"?>
+<file path=ppt/slides/slide11.xml><?xml version="1.0" encoding="utf-8"?>
 <p:sld xmlns:a="http://schemas.openxmlformats.org/drawingml/2006/main" xmlns:r="http://schemas.openxmlformats.org/officeDocument/2006/relationships" xmlns:p="http://schemas.openxmlformats.org/presentationml/2006/main">
   <p:cSld>
     <p:spTree>
@@ -8634,7 +6622,7 @@
 </p:sld>
 </file>
 
-<file path=ppt/slides/slide13.xml><?xml version="1.0" encoding="utf-8"?>
+<file path=ppt/slides/slide12.xml><?xml version="1.0" encoding="utf-8"?>
 <p:sld xmlns:a="http://schemas.openxmlformats.org/drawingml/2006/main" xmlns:r="http://schemas.openxmlformats.org/officeDocument/2006/relationships" xmlns:p="http://schemas.openxmlformats.org/presentationml/2006/main">
   <p:cSld>
     <p:spTree>
@@ -9465,153 +7453,6 @@
       </p:grpSpPr>
       <p:sp>
         <p:nvSpPr>
-          <p:cNvPr id="2" name="Title 1">
-            <a:extLst>
-              <a:ext uri="{FF2B5EF4-FFF2-40B4-BE49-F238E27FC236}">
-                <a16:creationId xmlns:a16="http://schemas.microsoft.com/office/drawing/2014/main" id="{56E81730-8E93-F98B-992E-077B9EDA26E8}"/>
-              </a:ext>
-            </a:extLst>
-          </p:cNvPr>
-          <p:cNvSpPr>
-            <a:spLocks noGrp="1"/>
-          </p:cNvSpPr>
-          <p:nvPr>
-            <p:ph type="title"/>
-          </p:nvPr>
-        </p:nvSpPr>
-        <p:spPr/>
-        <p:txBody>
-          <a:bodyPr/>
-          <a:lstStyle/>
-          <a:p>
-            <a:r>
-              <a:rPr lang="en-US" dirty="0"/>
-              <a:t>One factor, 3 levels</a:t>
-            </a:r>
-          </a:p>
-        </p:txBody>
-      </p:sp>
-      <p:sp>
-        <p:nvSpPr>
-          <p:cNvPr id="4" name="Content Placeholder 3">
-            <a:extLst>
-              <a:ext uri="{FF2B5EF4-FFF2-40B4-BE49-F238E27FC236}">
-                <a16:creationId xmlns:a16="http://schemas.microsoft.com/office/drawing/2014/main" id="{C2F532E4-839B-7ABC-31B9-2C4320226A8A}"/>
-              </a:ext>
-            </a:extLst>
-          </p:cNvPr>
-          <p:cNvSpPr>
-            <a:spLocks noGrp="1"/>
-          </p:cNvSpPr>
-          <p:nvPr>
-            <p:ph sz="half" idx="1"/>
-          </p:nvPr>
-        </p:nvSpPr>
-        <p:spPr/>
-        <p:txBody>
-          <a:bodyPr/>
-          <a:lstStyle/>
-          <a:p>
-            <a:r>
-              <a:rPr lang="en-US" dirty="0"/>
-              <a:t>Score on spatial cognition task across 3 conditions</a:t>
-            </a:r>
-          </a:p>
-          <a:p>
-            <a:pPr lvl="1"/>
-            <a:r>
-              <a:rPr lang="en-US" dirty="0"/>
-              <a:t>Ocean sounds</a:t>
-            </a:r>
-          </a:p>
-          <a:p>
-            <a:pPr lvl="1"/>
-            <a:r>
-              <a:rPr lang="en-US" dirty="0"/>
-              <a:t>Dance music</a:t>
-            </a:r>
-          </a:p>
-          <a:p>
-            <a:pPr lvl="1"/>
-            <a:r>
-              <a:rPr lang="en-US" dirty="0"/>
-              <a:t>Classical music</a:t>
-            </a:r>
-          </a:p>
-          <a:p>
-            <a:endParaRPr lang="en-US" dirty="0"/>
-          </a:p>
-          <a:p>
-            <a:r>
-              <a:rPr lang="en-US" dirty="0"/>
-              <a:t>3 hypotheses: all comparisons</a:t>
-            </a:r>
-          </a:p>
-        </p:txBody>
-      </p:sp>
-      <p:graphicFrame>
-        <p:nvGraphicFramePr>
-          <p:cNvPr id="6" name="Content Placeholder 5">
-            <a:extLst>
-              <a:ext uri="{FF2B5EF4-FFF2-40B4-BE49-F238E27FC236}">
-                <a16:creationId xmlns:a16="http://schemas.microsoft.com/office/drawing/2014/main" id="{F1364CD9-D19A-1819-D89C-DE2675FE304A}"/>
-              </a:ext>
-            </a:extLst>
-          </p:cNvPr>
-          <p:cNvGraphicFramePr>
-            <a:graphicFrameLocks noGrp="1"/>
-          </p:cNvGraphicFramePr>
-          <p:nvPr>
-            <p:ph sz="half" idx="2"/>
-            <p:extLst>
-              <p:ext uri="{D42A27DB-BD31-4B8C-83A1-F6EECF244321}">
-                <p14:modId xmlns:p14="http://schemas.microsoft.com/office/powerpoint/2010/main" val="1882856702"/>
-              </p:ext>
-            </p:extLst>
-          </p:nvPr>
-        </p:nvGraphicFramePr>
-        <p:xfrm>
-          <a:off x="6172200" y="1825625"/>
-          <a:ext cx="5181600" cy="4351338"/>
-        </p:xfrm>
-        <a:graphic>
-          <a:graphicData uri="http://schemas.openxmlformats.org/drawingml/2006/chart">
-            <c:chart xmlns:c="http://schemas.openxmlformats.org/drawingml/2006/chart" xmlns:r="http://schemas.openxmlformats.org/officeDocument/2006/relationships" r:id="rId2"/>
-          </a:graphicData>
-        </a:graphic>
-      </p:graphicFrame>
-    </p:spTree>
-    <p:extLst>
-      <p:ext uri="{BB962C8B-B14F-4D97-AF65-F5344CB8AC3E}">
-        <p14:creationId xmlns:p14="http://schemas.microsoft.com/office/powerpoint/2010/main" val="2462595700"/>
-      </p:ext>
-    </p:extLst>
-  </p:cSld>
-  <p:clrMapOvr>
-    <a:masterClrMapping/>
-  </p:clrMapOvr>
-</p:sld>
-</file>
-
-<file path=ppt/slides/slide6.xml><?xml version="1.0" encoding="utf-8"?>
-<p:sld xmlns:a="http://schemas.openxmlformats.org/drawingml/2006/main" xmlns:r="http://schemas.openxmlformats.org/officeDocument/2006/relationships" xmlns:p="http://schemas.openxmlformats.org/presentationml/2006/main">
-  <p:cSld>
-    <p:spTree>
-      <p:nvGrpSpPr>
-        <p:cNvPr id="1" name=""/>
-        <p:cNvGrpSpPr/>
-        <p:nvPr/>
-      </p:nvGrpSpPr>
-      <p:grpSpPr>
-        <a:xfrm>
-          <a:off x="0" y="0"/>
-          <a:ext cx="0" cy="0"/>
-          <a:chOff x="0" y="0"/>
-          <a:chExt cx="0" cy="0"/>
-        </a:xfrm>
-      </p:grpSpPr>
-      <p:sp>
-        <p:nvSpPr>
           <p:cNvPr id="6146" name="Rectangle 2"/>
           <p:cNvSpPr>
             <a:spLocks noGrp="1" noChangeArrowheads="1"/>
@@ -9716,7 +7557,7 @@
 </p:sld>
 </file>
 
-<file path=ppt/slides/slide7.xml><?xml version="1.0" encoding="utf-8"?>
+<file path=ppt/slides/slide6.xml><?xml version="1.0" encoding="utf-8"?>
 <p:sld xmlns:a="http://schemas.openxmlformats.org/drawingml/2006/main" xmlns:r="http://schemas.openxmlformats.org/officeDocument/2006/relationships" xmlns:p="http://schemas.openxmlformats.org/presentationml/2006/main">
   <p:cSld>
     <p:spTree>
@@ -10650,7 +8491,7 @@
 </p:sld>
 </file>
 
-<file path=ppt/slides/slide8.xml><?xml version="1.0" encoding="utf-8"?>
+<file path=ppt/slides/slide7.xml><?xml version="1.0" encoding="utf-8"?>
 <p:sld xmlns:a="http://schemas.openxmlformats.org/drawingml/2006/main" xmlns:r="http://schemas.openxmlformats.org/officeDocument/2006/relationships" xmlns:p="http://schemas.openxmlformats.org/presentationml/2006/main">
   <p:cSld>
     <p:spTree>
@@ -12502,7 +10343,7 @@
 </p:sld>
 </file>
 
-<file path=ppt/slides/slide9.xml><?xml version="1.0" encoding="utf-8"?>
+<file path=ppt/slides/slide8.xml><?xml version="1.0" encoding="utf-8"?>
 <p:sld xmlns:a="http://schemas.openxmlformats.org/drawingml/2006/main" xmlns:r="http://schemas.openxmlformats.org/officeDocument/2006/relationships" xmlns:p="http://schemas.openxmlformats.org/presentationml/2006/main">
   <p:cSld>
     <p:spTree>
@@ -12590,6 +10431,1132 @@
   <p:clrMapOvr>
     <a:masterClrMapping/>
   </p:clrMapOvr>
+</p:sld>
+</file>
+
+<file path=ppt/slides/slide9.xml><?xml version="1.0" encoding="utf-8"?>
+<p:sld xmlns:a="http://schemas.openxmlformats.org/drawingml/2006/main" xmlns:r="http://schemas.openxmlformats.org/officeDocument/2006/relationships" xmlns:p="http://schemas.openxmlformats.org/presentationml/2006/main">
+  <p:cSld>
+    <p:spTree>
+      <p:nvGrpSpPr>
+        <p:cNvPr id="1" name=""/>
+        <p:cNvGrpSpPr/>
+        <p:nvPr/>
+      </p:nvGrpSpPr>
+      <p:grpSpPr>
+        <a:xfrm>
+          <a:off x="0" y="0"/>
+          <a:ext cx="0" cy="0"/>
+          <a:chOff x="0" y="0"/>
+          <a:chExt cx="0" cy="0"/>
+        </a:xfrm>
+      </p:grpSpPr>
+      <p:graphicFrame>
+        <p:nvGraphicFramePr>
+          <p:cNvPr id="36866" name="Group 2"/>
+          <p:cNvGraphicFramePr>
+            <a:graphicFrameLocks noGrp="1"/>
+          </p:cNvGraphicFramePr>
+          <p:nvPr/>
+        </p:nvGraphicFramePr>
+        <p:xfrm>
+          <a:off x="1828800" y="228600"/>
+          <a:ext cx="4267200" cy="2954020"/>
+        </p:xfrm>
+        <a:graphic>
+          <a:graphicData uri="http://schemas.openxmlformats.org/drawingml/2006/table">
+            <a:tbl>
+              <a:tblPr/>
+              <a:tblGrid>
+                <a:gridCol w="1422400">
+                  <a:extLst>
+                    <a:ext uri="{9D8B030D-6E8A-4147-A177-3AD203B41FA5}">
+                      <a16:colId xmlns:a16="http://schemas.microsoft.com/office/drawing/2014/main" val="20000"/>
+                    </a:ext>
+                  </a:extLst>
+                </a:gridCol>
+                <a:gridCol w="1422400">
+                  <a:extLst>
+                    <a:ext uri="{9D8B030D-6E8A-4147-A177-3AD203B41FA5}">
+                      <a16:colId xmlns:a16="http://schemas.microsoft.com/office/drawing/2014/main" val="20001"/>
+                    </a:ext>
+                  </a:extLst>
+                </a:gridCol>
+                <a:gridCol w="1422400">
+                  <a:extLst>
+                    <a:ext uri="{9D8B030D-6E8A-4147-A177-3AD203B41FA5}">
+                      <a16:colId xmlns:a16="http://schemas.microsoft.com/office/drawing/2014/main" val="20002"/>
+                    </a:ext>
+                  </a:extLst>
+                </a:gridCol>
+              </a:tblGrid>
+              <a:tr h="1016000">
+                <a:tc>
+                  <a:txBody>
+                    <a:bodyPr/>
+                    <a:lstStyle/>
+                    <a:p>
+                      <a:pPr marL="0" marR="0" lvl="0" indent="0" algn="l" defTabSz="914400" rtl="0" eaLnBrk="1" fontAlgn="base" latinLnBrk="0" hangingPunct="1">
+                        <a:lnSpc>
+                          <a:spcPct val="100000"/>
+                        </a:lnSpc>
+                        <a:spcBef>
+                          <a:spcPct val="20000"/>
+                        </a:spcBef>
+                        <a:spcAft>
+                          <a:spcPct val="0"/>
+                        </a:spcAft>
+                        <a:buClrTx/>
+                        <a:buSzTx/>
+                        <a:buFontTx/>
+                        <a:buNone/>
+                        <a:tabLst/>
+                      </a:pPr>
+                      <a:endParaRPr kumimoji="0" lang="en-US" sz="2400" b="0" i="0" u="none" strike="noStrike" cap="none" normalizeH="0" baseline="0">
+                        <a:ln>
+                          <a:noFill/>
+                        </a:ln>
+                        <a:solidFill>
+                          <a:schemeClr val="tx1"/>
+                        </a:solidFill>
+                        <a:effectLst/>
+                        <a:latin typeface="Arial" charset="0"/>
+                      </a:endParaRPr>
+                    </a:p>
+                  </a:txBody>
+                  <a:tcPr horzOverflow="overflow">
+                    <a:lnL w="28575" cap="flat" cmpd="sng" algn="ctr">
+                      <a:solidFill>
+                        <a:schemeClr val="tx1"/>
+                      </a:solidFill>
+                      <a:prstDash val="solid"/>
+                      <a:round/>
+                      <a:headEnd type="none" w="med" len="med"/>
+                      <a:tailEnd type="none" w="med" len="med"/>
+                    </a:lnL>
+                    <a:lnR w="12700" cap="flat" cmpd="sng" algn="ctr">
+                      <a:solidFill>
+                        <a:schemeClr val="tx1"/>
+                      </a:solidFill>
+                      <a:prstDash val="solid"/>
+                      <a:round/>
+                      <a:headEnd type="none" w="med" len="med"/>
+                      <a:tailEnd type="none" w="med" len="med"/>
+                    </a:lnR>
+                    <a:lnT w="28575" cap="flat" cmpd="sng" algn="ctr">
+                      <a:solidFill>
+                        <a:schemeClr val="tx1"/>
+                      </a:solidFill>
+                      <a:prstDash val="solid"/>
+                      <a:round/>
+                      <a:headEnd type="none" w="med" len="med"/>
+                      <a:tailEnd type="none" w="med" len="med"/>
+                    </a:lnT>
+                    <a:lnB w="12700" cap="flat" cmpd="sng" algn="ctr">
+                      <a:solidFill>
+                        <a:schemeClr val="tx1"/>
+                      </a:solidFill>
+                      <a:prstDash val="solid"/>
+                      <a:round/>
+                      <a:headEnd type="none" w="med" len="med"/>
+                      <a:tailEnd type="none" w="med" len="med"/>
+                    </a:lnB>
+                    <a:lnTlToBr>
+                      <a:noFill/>
+                    </a:lnTlToBr>
+                    <a:lnBlToTr>
+                      <a:noFill/>
+                    </a:lnBlToTr>
+                    <a:noFill/>
+                  </a:tcPr>
+                </a:tc>
+                <a:tc>
+                  <a:txBody>
+                    <a:bodyPr/>
+                    <a:lstStyle/>
+                    <a:p>
+                      <a:pPr marL="0" marR="0" lvl="0" indent="0" algn="l" defTabSz="914400" rtl="0" eaLnBrk="1" fontAlgn="base" latinLnBrk="0" hangingPunct="1">
+                        <a:lnSpc>
+                          <a:spcPct val="100000"/>
+                        </a:lnSpc>
+                        <a:spcBef>
+                          <a:spcPct val="20000"/>
+                        </a:spcBef>
+                        <a:spcAft>
+                          <a:spcPct val="0"/>
+                        </a:spcAft>
+                        <a:buClrTx/>
+                        <a:buSzTx/>
+                        <a:buFontTx/>
+                        <a:buNone/>
+                        <a:tabLst/>
+                      </a:pPr>
+                      <a:r>
+                        <a:rPr kumimoji="0" lang="en-US" sz="2400" b="0" i="0" u="none" strike="noStrike" cap="none" normalizeH="0" baseline="0">
+                          <a:ln>
+                            <a:noFill/>
+                          </a:ln>
+                          <a:solidFill>
+                            <a:schemeClr val="tx1"/>
+                          </a:solidFill>
+                          <a:effectLst/>
+                          <a:latin typeface="Arial" charset="0"/>
+                        </a:rPr>
+                        <a:t>Building toys</a:t>
+                      </a:r>
+                    </a:p>
+                  </a:txBody>
+                  <a:tcPr horzOverflow="overflow">
+                    <a:lnL w="12700" cap="flat" cmpd="sng" algn="ctr">
+                      <a:solidFill>
+                        <a:schemeClr val="tx1"/>
+                      </a:solidFill>
+                      <a:prstDash val="solid"/>
+                      <a:round/>
+                      <a:headEnd type="none" w="med" len="med"/>
+                      <a:tailEnd type="none" w="med" len="med"/>
+                    </a:lnL>
+                    <a:lnR w="12700" cap="flat" cmpd="sng" algn="ctr">
+                      <a:solidFill>
+                        <a:schemeClr val="tx1"/>
+                      </a:solidFill>
+                      <a:prstDash val="solid"/>
+                      <a:round/>
+                      <a:headEnd type="none" w="med" len="med"/>
+                      <a:tailEnd type="none" w="med" len="med"/>
+                    </a:lnR>
+                    <a:lnT w="28575" cap="flat" cmpd="sng" algn="ctr">
+                      <a:solidFill>
+                        <a:schemeClr val="tx1"/>
+                      </a:solidFill>
+                      <a:prstDash val="solid"/>
+                      <a:round/>
+                      <a:headEnd type="none" w="med" len="med"/>
+                      <a:tailEnd type="none" w="med" len="med"/>
+                    </a:lnT>
+                    <a:lnB w="12700" cap="flat" cmpd="sng" algn="ctr">
+                      <a:solidFill>
+                        <a:schemeClr val="tx1"/>
+                      </a:solidFill>
+                      <a:prstDash val="solid"/>
+                      <a:round/>
+                      <a:headEnd type="none" w="med" len="med"/>
+                      <a:tailEnd type="none" w="med" len="med"/>
+                    </a:lnB>
+                    <a:lnTlToBr>
+                      <a:noFill/>
+                    </a:lnTlToBr>
+                    <a:lnBlToTr>
+                      <a:noFill/>
+                    </a:lnBlToTr>
+                    <a:noFill/>
+                  </a:tcPr>
+                </a:tc>
+                <a:tc>
+                  <a:txBody>
+                    <a:bodyPr/>
+                    <a:lstStyle/>
+                    <a:p>
+                      <a:pPr marL="0" marR="0" lvl="0" indent="0" algn="l" defTabSz="914400" rtl="0" eaLnBrk="1" fontAlgn="base" latinLnBrk="0" hangingPunct="1">
+                        <a:lnSpc>
+                          <a:spcPct val="100000"/>
+                        </a:lnSpc>
+                        <a:spcBef>
+                          <a:spcPct val="20000"/>
+                        </a:spcBef>
+                        <a:spcAft>
+                          <a:spcPct val="0"/>
+                        </a:spcAft>
+                        <a:buClrTx/>
+                        <a:buSzTx/>
+                        <a:buFontTx/>
+                        <a:buNone/>
+                        <a:tabLst/>
+                      </a:pPr>
+                      <a:r>
+                        <a:rPr kumimoji="0" lang="en-US" sz="2400" b="0" i="0" u="none" strike="noStrike" cap="none" normalizeH="0" baseline="0">
+                          <a:ln>
+                            <a:noFill/>
+                          </a:ln>
+                          <a:solidFill>
+                            <a:schemeClr val="tx1"/>
+                          </a:solidFill>
+                          <a:effectLst/>
+                          <a:latin typeface="Arial" charset="0"/>
+                        </a:rPr>
+                        <a:t>Non-building toys</a:t>
+                      </a:r>
+                    </a:p>
+                  </a:txBody>
+                  <a:tcPr horzOverflow="overflow">
+                    <a:lnL w="12700" cap="flat" cmpd="sng" algn="ctr">
+                      <a:solidFill>
+                        <a:schemeClr val="tx1"/>
+                      </a:solidFill>
+                      <a:prstDash val="solid"/>
+                      <a:round/>
+                      <a:headEnd type="none" w="med" len="med"/>
+                      <a:tailEnd type="none" w="med" len="med"/>
+                    </a:lnL>
+                    <a:lnR w="28575" cap="flat" cmpd="sng" algn="ctr">
+                      <a:solidFill>
+                        <a:schemeClr val="tx1"/>
+                      </a:solidFill>
+                      <a:prstDash val="solid"/>
+                      <a:round/>
+                      <a:headEnd type="none" w="med" len="med"/>
+                      <a:tailEnd type="none" w="med" len="med"/>
+                    </a:lnR>
+                    <a:lnT w="28575" cap="flat" cmpd="sng" algn="ctr">
+                      <a:solidFill>
+                        <a:schemeClr val="tx1"/>
+                      </a:solidFill>
+                      <a:prstDash val="solid"/>
+                      <a:round/>
+                      <a:headEnd type="none" w="med" len="med"/>
+                      <a:tailEnd type="none" w="med" len="med"/>
+                    </a:lnT>
+                    <a:lnB w="12700" cap="flat" cmpd="sng" algn="ctr">
+                      <a:solidFill>
+                        <a:schemeClr val="tx1"/>
+                      </a:solidFill>
+                      <a:prstDash val="solid"/>
+                      <a:round/>
+                      <a:headEnd type="none" w="med" len="med"/>
+                      <a:tailEnd type="none" w="med" len="med"/>
+                    </a:lnB>
+                    <a:lnTlToBr>
+                      <a:noFill/>
+                    </a:lnTlToBr>
+                    <a:lnBlToTr>
+                      <a:noFill/>
+                    </a:lnBlToTr>
+                    <a:noFill/>
+                  </a:tcPr>
+                </a:tc>
+                <a:extLst>
+                  <a:ext uri="{0D108BD9-81ED-4DB2-BD59-A6C34878D82A}">
+                    <a16:rowId xmlns:a16="http://schemas.microsoft.com/office/drawing/2014/main" val="10000"/>
+                  </a:ext>
+                </a:extLst>
+              </a:tr>
+              <a:tr h="882650">
+                <a:tc>
+                  <a:txBody>
+                    <a:bodyPr/>
+                    <a:lstStyle/>
+                    <a:p>
+                      <a:pPr marL="0" marR="0" lvl="0" indent="0" algn="l" defTabSz="914400" rtl="0" eaLnBrk="1" fontAlgn="base" latinLnBrk="0" hangingPunct="1">
+                        <a:lnSpc>
+                          <a:spcPct val="100000"/>
+                        </a:lnSpc>
+                        <a:spcBef>
+                          <a:spcPct val="20000"/>
+                        </a:spcBef>
+                        <a:spcAft>
+                          <a:spcPct val="0"/>
+                        </a:spcAft>
+                        <a:buClrTx/>
+                        <a:buSzTx/>
+                        <a:buFontTx/>
+                        <a:buNone/>
+                        <a:tabLst/>
+                      </a:pPr>
+                      <a:r>
+                        <a:rPr kumimoji="0" lang="en-US" sz="2400" b="0" i="0" u="none" strike="noStrike" cap="none" normalizeH="0" baseline="0">
+                          <a:ln>
+                            <a:noFill/>
+                          </a:ln>
+                          <a:solidFill>
+                            <a:schemeClr val="tx1"/>
+                          </a:solidFill>
+                          <a:effectLst/>
+                          <a:latin typeface="Arial" charset="0"/>
+                        </a:rPr>
+                        <a:t>Boys</a:t>
+                      </a:r>
+                    </a:p>
+                  </a:txBody>
+                  <a:tcPr horzOverflow="overflow">
+                    <a:lnL w="28575" cap="flat" cmpd="sng" algn="ctr">
+                      <a:solidFill>
+                        <a:schemeClr val="tx1"/>
+                      </a:solidFill>
+                      <a:prstDash val="solid"/>
+                      <a:round/>
+                      <a:headEnd type="none" w="med" len="med"/>
+                      <a:tailEnd type="none" w="med" len="med"/>
+                    </a:lnL>
+                    <a:lnR w="12700" cap="flat" cmpd="sng" algn="ctr">
+                      <a:solidFill>
+                        <a:schemeClr val="tx1"/>
+                      </a:solidFill>
+                      <a:prstDash val="solid"/>
+                      <a:round/>
+                      <a:headEnd type="none" w="med" len="med"/>
+                      <a:tailEnd type="none" w="med" len="med"/>
+                    </a:lnR>
+                    <a:lnT w="12700" cap="flat" cmpd="sng" algn="ctr">
+                      <a:solidFill>
+                        <a:schemeClr val="tx1"/>
+                      </a:solidFill>
+                      <a:prstDash val="solid"/>
+                      <a:round/>
+                      <a:headEnd type="none" w="med" len="med"/>
+                      <a:tailEnd type="none" w="med" len="med"/>
+                    </a:lnT>
+                    <a:lnB w="12700" cap="flat" cmpd="sng" algn="ctr">
+                      <a:solidFill>
+                        <a:schemeClr val="tx1"/>
+                      </a:solidFill>
+                      <a:prstDash val="solid"/>
+                      <a:round/>
+                      <a:headEnd type="none" w="med" len="med"/>
+                      <a:tailEnd type="none" w="med" len="med"/>
+                    </a:lnB>
+                    <a:lnTlToBr>
+                      <a:noFill/>
+                    </a:lnTlToBr>
+                    <a:lnBlToTr>
+                      <a:noFill/>
+                    </a:lnBlToTr>
+                    <a:noFill/>
+                  </a:tcPr>
+                </a:tc>
+                <a:tc>
+                  <a:txBody>
+                    <a:bodyPr/>
+                    <a:lstStyle/>
+                    <a:p>
+                      <a:pPr marL="0" marR="0" lvl="0" indent="0" algn="l" defTabSz="914400" rtl="0" eaLnBrk="1" fontAlgn="base" latinLnBrk="0" hangingPunct="1">
+                        <a:lnSpc>
+                          <a:spcPct val="100000"/>
+                        </a:lnSpc>
+                        <a:spcBef>
+                          <a:spcPct val="20000"/>
+                        </a:spcBef>
+                        <a:spcAft>
+                          <a:spcPct val="0"/>
+                        </a:spcAft>
+                        <a:buClrTx/>
+                        <a:buSzTx/>
+                        <a:buFontTx/>
+                        <a:buNone/>
+                        <a:tabLst/>
+                      </a:pPr>
+                      <a:endParaRPr kumimoji="0" lang="en-US" sz="2400" b="0" i="0" u="none" strike="noStrike" cap="none" normalizeH="0" baseline="0">
+                        <a:ln>
+                          <a:noFill/>
+                        </a:ln>
+                        <a:solidFill>
+                          <a:schemeClr val="tx1"/>
+                        </a:solidFill>
+                        <a:effectLst/>
+                        <a:latin typeface="Arial" charset="0"/>
+                      </a:endParaRPr>
+                    </a:p>
+                  </a:txBody>
+                  <a:tcPr horzOverflow="overflow">
+                    <a:lnL w="12700" cap="flat" cmpd="sng" algn="ctr">
+                      <a:solidFill>
+                        <a:schemeClr val="tx1"/>
+                      </a:solidFill>
+                      <a:prstDash val="solid"/>
+                      <a:round/>
+                      <a:headEnd type="none" w="med" len="med"/>
+                      <a:tailEnd type="none" w="med" len="med"/>
+                    </a:lnL>
+                    <a:lnR w="12700" cap="flat" cmpd="sng" algn="ctr">
+                      <a:solidFill>
+                        <a:schemeClr val="tx1"/>
+                      </a:solidFill>
+                      <a:prstDash val="solid"/>
+                      <a:round/>
+                      <a:headEnd type="none" w="med" len="med"/>
+                      <a:tailEnd type="none" w="med" len="med"/>
+                    </a:lnR>
+                    <a:lnT w="12700" cap="flat" cmpd="sng" algn="ctr">
+                      <a:solidFill>
+                        <a:schemeClr val="tx1"/>
+                      </a:solidFill>
+                      <a:prstDash val="solid"/>
+                      <a:round/>
+                      <a:headEnd type="none" w="med" len="med"/>
+                      <a:tailEnd type="none" w="med" len="med"/>
+                    </a:lnT>
+                    <a:lnB w="12700" cap="flat" cmpd="sng" algn="ctr">
+                      <a:solidFill>
+                        <a:schemeClr val="tx1"/>
+                      </a:solidFill>
+                      <a:prstDash val="solid"/>
+                      <a:round/>
+                      <a:headEnd type="none" w="med" len="med"/>
+                      <a:tailEnd type="none" w="med" len="med"/>
+                    </a:lnB>
+                    <a:lnTlToBr>
+                      <a:noFill/>
+                    </a:lnTlToBr>
+                    <a:lnBlToTr>
+                      <a:noFill/>
+                    </a:lnBlToTr>
+                    <a:noFill/>
+                  </a:tcPr>
+                </a:tc>
+                <a:tc>
+                  <a:txBody>
+                    <a:bodyPr/>
+                    <a:lstStyle/>
+                    <a:p>
+                      <a:pPr marL="0" marR="0" lvl="0" indent="0" algn="l" defTabSz="914400" rtl="0" eaLnBrk="1" fontAlgn="base" latinLnBrk="0" hangingPunct="1">
+                        <a:lnSpc>
+                          <a:spcPct val="100000"/>
+                        </a:lnSpc>
+                        <a:spcBef>
+                          <a:spcPct val="20000"/>
+                        </a:spcBef>
+                        <a:spcAft>
+                          <a:spcPct val="0"/>
+                        </a:spcAft>
+                        <a:buClrTx/>
+                        <a:buSzTx/>
+                        <a:buFontTx/>
+                        <a:buNone/>
+                        <a:tabLst/>
+                      </a:pPr>
+                      <a:endParaRPr kumimoji="0" lang="en-US" sz="2400" b="0" i="0" u="none" strike="noStrike" cap="none" normalizeH="0" baseline="0">
+                        <a:ln>
+                          <a:noFill/>
+                        </a:ln>
+                        <a:solidFill>
+                          <a:schemeClr val="tx1"/>
+                        </a:solidFill>
+                        <a:effectLst/>
+                        <a:latin typeface="Arial" charset="0"/>
+                      </a:endParaRPr>
+                    </a:p>
+                  </a:txBody>
+                  <a:tcPr horzOverflow="overflow">
+                    <a:lnL w="12700" cap="flat" cmpd="sng" algn="ctr">
+                      <a:solidFill>
+                        <a:schemeClr val="tx1"/>
+                      </a:solidFill>
+                      <a:prstDash val="solid"/>
+                      <a:round/>
+                      <a:headEnd type="none" w="med" len="med"/>
+                      <a:tailEnd type="none" w="med" len="med"/>
+                    </a:lnL>
+                    <a:lnR w="28575" cap="flat" cmpd="sng" algn="ctr">
+                      <a:solidFill>
+                        <a:schemeClr val="tx1"/>
+                      </a:solidFill>
+                      <a:prstDash val="solid"/>
+                      <a:round/>
+                      <a:headEnd type="none" w="med" len="med"/>
+                      <a:tailEnd type="none" w="med" len="med"/>
+                    </a:lnR>
+                    <a:lnT w="12700" cap="flat" cmpd="sng" algn="ctr">
+                      <a:solidFill>
+                        <a:schemeClr val="tx1"/>
+                      </a:solidFill>
+                      <a:prstDash val="solid"/>
+                      <a:round/>
+                      <a:headEnd type="none" w="med" len="med"/>
+                      <a:tailEnd type="none" w="med" len="med"/>
+                    </a:lnT>
+                    <a:lnB w="12700" cap="flat" cmpd="sng" algn="ctr">
+                      <a:solidFill>
+                        <a:schemeClr val="tx1"/>
+                      </a:solidFill>
+                      <a:prstDash val="solid"/>
+                      <a:round/>
+                      <a:headEnd type="none" w="med" len="med"/>
+                      <a:tailEnd type="none" w="med" len="med"/>
+                    </a:lnB>
+                    <a:lnTlToBr>
+                      <a:noFill/>
+                    </a:lnTlToBr>
+                    <a:lnBlToTr>
+                      <a:noFill/>
+                    </a:lnBlToTr>
+                    <a:noFill/>
+                  </a:tcPr>
+                </a:tc>
+                <a:extLst>
+                  <a:ext uri="{0D108BD9-81ED-4DB2-BD59-A6C34878D82A}">
+                    <a16:rowId xmlns:a16="http://schemas.microsoft.com/office/drawing/2014/main" val="10001"/>
+                  </a:ext>
+                </a:extLst>
+              </a:tr>
+              <a:tr h="882650">
+                <a:tc>
+                  <a:txBody>
+                    <a:bodyPr/>
+                    <a:lstStyle/>
+                    <a:p>
+                      <a:pPr marL="0" marR="0" lvl="0" indent="0" algn="l" defTabSz="914400" rtl="0" eaLnBrk="1" fontAlgn="base" latinLnBrk="0" hangingPunct="1">
+                        <a:lnSpc>
+                          <a:spcPct val="100000"/>
+                        </a:lnSpc>
+                        <a:spcBef>
+                          <a:spcPct val="20000"/>
+                        </a:spcBef>
+                        <a:spcAft>
+                          <a:spcPct val="0"/>
+                        </a:spcAft>
+                        <a:buClrTx/>
+                        <a:buSzTx/>
+                        <a:buFontTx/>
+                        <a:buNone/>
+                        <a:tabLst/>
+                      </a:pPr>
+                      <a:r>
+                        <a:rPr kumimoji="0" lang="en-US" sz="2400" b="0" i="0" u="none" strike="noStrike" cap="none" normalizeH="0" baseline="0">
+                          <a:ln>
+                            <a:noFill/>
+                          </a:ln>
+                          <a:solidFill>
+                            <a:schemeClr val="tx1"/>
+                          </a:solidFill>
+                          <a:effectLst/>
+                          <a:latin typeface="Arial" charset="0"/>
+                        </a:rPr>
+                        <a:t>Girls</a:t>
+                      </a:r>
+                    </a:p>
+                  </a:txBody>
+                  <a:tcPr horzOverflow="overflow">
+                    <a:lnL w="28575" cap="flat" cmpd="sng" algn="ctr">
+                      <a:solidFill>
+                        <a:schemeClr val="tx1"/>
+                      </a:solidFill>
+                      <a:prstDash val="solid"/>
+                      <a:round/>
+                      <a:headEnd type="none" w="med" len="med"/>
+                      <a:tailEnd type="none" w="med" len="med"/>
+                    </a:lnL>
+                    <a:lnR w="12700" cap="flat" cmpd="sng" algn="ctr">
+                      <a:solidFill>
+                        <a:schemeClr val="tx1"/>
+                      </a:solidFill>
+                      <a:prstDash val="solid"/>
+                      <a:round/>
+                      <a:headEnd type="none" w="med" len="med"/>
+                      <a:tailEnd type="none" w="med" len="med"/>
+                    </a:lnR>
+                    <a:lnT w="12700" cap="flat" cmpd="sng" algn="ctr">
+                      <a:solidFill>
+                        <a:schemeClr val="tx1"/>
+                      </a:solidFill>
+                      <a:prstDash val="solid"/>
+                      <a:round/>
+                      <a:headEnd type="none" w="med" len="med"/>
+                      <a:tailEnd type="none" w="med" len="med"/>
+                    </a:lnT>
+                    <a:lnB w="28575" cap="flat" cmpd="sng" algn="ctr">
+                      <a:solidFill>
+                        <a:schemeClr val="tx1"/>
+                      </a:solidFill>
+                      <a:prstDash val="solid"/>
+                      <a:round/>
+                      <a:headEnd type="none" w="med" len="med"/>
+                      <a:tailEnd type="none" w="med" len="med"/>
+                    </a:lnB>
+                    <a:lnTlToBr>
+                      <a:noFill/>
+                    </a:lnTlToBr>
+                    <a:lnBlToTr>
+                      <a:noFill/>
+                    </a:lnBlToTr>
+                    <a:noFill/>
+                  </a:tcPr>
+                </a:tc>
+                <a:tc>
+                  <a:txBody>
+                    <a:bodyPr/>
+                    <a:lstStyle/>
+                    <a:p>
+                      <a:pPr marL="0" marR="0" lvl="0" indent="0" algn="l" defTabSz="914400" rtl="0" eaLnBrk="1" fontAlgn="base" latinLnBrk="0" hangingPunct="1">
+                        <a:lnSpc>
+                          <a:spcPct val="100000"/>
+                        </a:lnSpc>
+                        <a:spcBef>
+                          <a:spcPct val="20000"/>
+                        </a:spcBef>
+                        <a:spcAft>
+                          <a:spcPct val="0"/>
+                        </a:spcAft>
+                        <a:buClrTx/>
+                        <a:buSzTx/>
+                        <a:buFontTx/>
+                        <a:buNone/>
+                        <a:tabLst/>
+                      </a:pPr>
+                      <a:endParaRPr kumimoji="0" lang="en-US" sz="2400" b="0" i="0" u="none" strike="noStrike" cap="none" normalizeH="0" baseline="0">
+                        <a:ln>
+                          <a:noFill/>
+                        </a:ln>
+                        <a:solidFill>
+                          <a:schemeClr val="tx1"/>
+                        </a:solidFill>
+                        <a:effectLst/>
+                        <a:latin typeface="Arial" charset="0"/>
+                      </a:endParaRPr>
+                    </a:p>
+                  </a:txBody>
+                  <a:tcPr horzOverflow="overflow">
+                    <a:lnL w="12700" cap="flat" cmpd="sng" algn="ctr">
+                      <a:solidFill>
+                        <a:schemeClr val="tx1"/>
+                      </a:solidFill>
+                      <a:prstDash val="solid"/>
+                      <a:round/>
+                      <a:headEnd type="none" w="med" len="med"/>
+                      <a:tailEnd type="none" w="med" len="med"/>
+                    </a:lnL>
+                    <a:lnR w="12700" cap="flat" cmpd="sng" algn="ctr">
+                      <a:solidFill>
+                        <a:schemeClr val="tx1"/>
+                      </a:solidFill>
+                      <a:prstDash val="solid"/>
+                      <a:round/>
+                      <a:headEnd type="none" w="med" len="med"/>
+                      <a:tailEnd type="none" w="med" len="med"/>
+                    </a:lnR>
+                    <a:lnT w="12700" cap="flat" cmpd="sng" algn="ctr">
+                      <a:solidFill>
+                        <a:schemeClr val="tx1"/>
+                      </a:solidFill>
+                      <a:prstDash val="solid"/>
+                      <a:round/>
+                      <a:headEnd type="none" w="med" len="med"/>
+                      <a:tailEnd type="none" w="med" len="med"/>
+                    </a:lnT>
+                    <a:lnB w="28575" cap="flat" cmpd="sng" algn="ctr">
+                      <a:solidFill>
+                        <a:schemeClr val="tx1"/>
+                      </a:solidFill>
+                      <a:prstDash val="solid"/>
+                      <a:round/>
+                      <a:headEnd type="none" w="med" len="med"/>
+                      <a:tailEnd type="none" w="med" len="med"/>
+                    </a:lnB>
+                    <a:lnTlToBr>
+                      <a:noFill/>
+                    </a:lnTlToBr>
+                    <a:lnBlToTr>
+                      <a:noFill/>
+                    </a:lnBlToTr>
+                    <a:noFill/>
+                  </a:tcPr>
+                </a:tc>
+                <a:tc>
+                  <a:txBody>
+                    <a:bodyPr/>
+                    <a:lstStyle/>
+                    <a:p>
+                      <a:pPr marL="0" marR="0" lvl="0" indent="0" algn="l" defTabSz="914400" rtl="0" eaLnBrk="1" fontAlgn="base" latinLnBrk="0" hangingPunct="1">
+                        <a:lnSpc>
+                          <a:spcPct val="100000"/>
+                        </a:lnSpc>
+                        <a:spcBef>
+                          <a:spcPct val="20000"/>
+                        </a:spcBef>
+                        <a:spcAft>
+                          <a:spcPct val="0"/>
+                        </a:spcAft>
+                        <a:buClrTx/>
+                        <a:buSzTx/>
+                        <a:buFontTx/>
+                        <a:buNone/>
+                        <a:tabLst/>
+                      </a:pPr>
+                      <a:endParaRPr kumimoji="0" lang="en-US" sz="2400" b="0" i="0" u="none" strike="noStrike" cap="none" normalizeH="0" baseline="0">
+                        <a:ln>
+                          <a:noFill/>
+                        </a:ln>
+                        <a:solidFill>
+                          <a:schemeClr val="tx1"/>
+                        </a:solidFill>
+                        <a:effectLst/>
+                        <a:latin typeface="Arial" charset="0"/>
+                      </a:endParaRPr>
+                    </a:p>
+                  </a:txBody>
+                  <a:tcPr horzOverflow="overflow">
+                    <a:lnL w="12700" cap="flat" cmpd="sng" algn="ctr">
+                      <a:solidFill>
+                        <a:schemeClr val="tx1"/>
+                      </a:solidFill>
+                      <a:prstDash val="solid"/>
+                      <a:round/>
+                      <a:headEnd type="none" w="med" len="med"/>
+                      <a:tailEnd type="none" w="med" len="med"/>
+                    </a:lnL>
+                    <a:lnR w="28575" cap="flat" cmpd="sng" algn="ctr">
+                      <a:solidFill>
+                        <a:schemeClr val="tx1"/>
+                      </a:solidFill>
+                      <a:prstDash val="solid"/>
+                      <a:round/>
+                      <a:headEnd type="none" w="med" len="med"/>
+                      <a:tailEnd type="none" w="med" len="med"/>
+                    </a:lnR>
+                    <a:lnT w="12700" cap="flat" cmpd="sng" algn="ctr">
+                      <a:solidFill>
+                        <a:schemeClr val="tx1"/>
+                      </a:solidFill>
+                      <a:prstDash val="solid"/>
+                      <a:round/>
+                      <a:headEnd type="none" w="med" len="med"/>
+                      <a:tailEnd type="none" w="med" len="med"/>
+                    </a:lnT>
+                    <a:lnB w="28575" cap="flat" cmpd="sng" algn="ctr">
+                      <a:solidFill>
+                        <a:schemeClr val="tx1"/>
+                      </a:solidFill>
+                      <a:prstDash val="solid"/>
+                      <a:round/>
+                      <a:headEnd type="none" w="med" len="med"/>
+                      <a:tailEnd type="none" w="med" len="med"/>
+                    </a:lnB>
+                    <a:lnTlToBr>
+                      <a:noFill/>
+                    </a:lnTlToBr>
+                    <a:lnBlToTr>
+                      <a:noFill/>
+                    </a:lnBlToTr>
+                    <a:noFill/>
+                  </a:tcPr>
+                </a:tc>
+                <a:extLst>
+                  <a:ext uri="{0D108BD9-81ED-4DB2-BD59-A6C34878D82A}">
+                    <a16:rowId xmlns:a16="http://schemas.microsoft.com/office/drawing/2014/main" val="10002"/>
+                  </a:ext>
+                </a:extLst>
+              </a:tr>
+            </a:tbl>
+          </a:graphicData>
+        </a:graphic>
+      </p:graphicFrame>
+      <p:graphicFrame>
+        <p:nvGraphicFramePr>
+          <p:cNvPr id="3" name="Object 20"/>
+          <p:cNvGraphicFramePr>
+            <a:graphicFrameLocks noChangeAspect="1"/>
+          </p:cNvGraphicFramePr>
+          <p:nvPr>
+            <p:extLst>
+              <p:ext uri="{D42A27DB-BD31-4B8C-83A1-F6EECF244321}">
+                <p14:modId xmlns:p14="http://schemas.microsoft.com/office/powerpoint/2010/main" val="4094940949"/>
+              </p:ext>
+            </p:extLst>
+          </p:nvPr>
+        </p:nvGraphicFramePr>
+        <p:xfrm>
+          <a:off x="5613400" y="3252789"/>
+          <a:ext cx="5003800" cy="3278187"/>
+        </p:xfrm>
+        <a:graphic>
+          <a:graphicData uri="http://schemas.openxmlformats.org/drawingml/2006/chart">
+            <c:chart xmlns:c="http://schemas.openxmlformats.org/drawingml/2006/chart" xmlns:r="http://schemas.openxmlformats.org/officeDocument/2006/relationships" r:id="rId3"/>
+          </a:graphicData>
+        </a:graphic>
+      </p:graphicFrame>
+      <p:grpSp>
+        <p:nvGrpSpPr>
+          <p:cNvPr id="2" name="Group 21"/>
+          <p:cNvGrpSpPr>
+            <a:grpSpLocks/>
+          </p:cNvGrpSpPr>
+          <p:nvPr/>
+        </p:nvGrpSpPr>
+        <p:grpSpPr bwMode="auto">
+          <a:xfrm>
+            <a:off x="3657601" y="1636714"/>
+            <a:ext cx="1831975" cy="1208087"/>
+            <a:chOff x="1344" y="1031"/>
+            <a:chExt cx="1154" cy="761"/>
+          </a:xfrm>
+        </p:grpSpPr>
+        <p:sp>
+          <p:nvSpPr>
+            <p:cNvPr id="1046" name="Text Box 22"/>
+            <p:cNvSpPr txBox="1">
+              <a:spLocks noChangeArrowheads="1"/>
+            </p:cNvSpPr>
+            <p:nvPr/>
+          </p:nvSpPr>
+          <p:spPr bwMode="auto">
+            <a:xfrm>
+              <a:off x="1344" y="1031"/>
+              <a:ext cx="300" cy="233"/>
+            </a:xfrm>
+            <a:prstGeom prst="rect">
+              <a:avLst/>
+            </a:prstGeom>
+            <a:noFill/>
+            <a:ln w="9525">
+              <a:noFill/>
+              <a:miter lim="800000"/>
+              <a:headEnd/>
+              <a:tailEnd/>
+            </a:ln>
+          </p:spPr>
+          <p:txBody>
+            <a:bodyPr wrap="none">
+              <a:spAutoFit/>
+            </a:bodyPr>
+            <a:lstStyle/>
+            <a:p>
+              <a:r>
+                <a:rPr lang="en-US"/>
+                <a:t>7.3</a:t>
+              </a:r>
+            </a:p>
+          </p:txBody>
+        </p:sp>
+        <p:sp>
+          <p:nvSpPr>
+            <p:cNvPr id="1047" name="Text Box 23"/>
+            <p:cNvSpPr txBox="1">
+              <a:spLocks noChangeArrowheads="1"/>
+            </p:cNvSpPr>
+            <p:nvPr/>
+          </p:nvSpPr>
+          <p:spPr bwMode="auto">
+            <a:xfrm>
+              <a:off x="2198" y="1031"/>
+              <a:ext cx="300" cy="233"/>
+            </a:xfrm>
+            <a:prstGeom prst="rect">
+              <a:avLst/>
+            </a:prstGeom>
+            <a:noFill/>
+            <a:ln w="9525">
+              <a:noFill/>
+              <a:miter lim="800000"/>
+              <a:headEnd/>
+              <a:tailEnd/>
+            </a:ln>
+          </p:spPr>
+          <p:txBody>
+            <a:bodyPr wrap="none">
+              <a:spAutoFit/>
+            </a:bodyPr>
+            <a:lstStyle/>
+            <a:p>
+              <a:r>
+                <a:rPr lang="en-US"/>
+                <a:t>5.6</a:t>
+              </a:r>
+            </a:p>
+          </p:txBody>
+        </p:sp>
+        <p:sp>
+          <p:nvSpPr>
+            <p:cNvPr id="1048" name="Text Box 24"/>
+            <p:cNvSpPr txBox="1">
+              <a:spLocks noChangeArrowheads="1"/>
+            </p:cNvSpPr>
+            <p:nvPr/>
+          </p:nvSpPr>
+          <p:spPr bwMode="auto">
+            <a:xfrm>
+              <a:off x="1344" y="1559"/>
+              <a:ext cx="300" cy="233"/>
+            </a:xfrm>
+            <a:prstGeom prst="rect">
+              <a:avLst/>
+            </a:prstGeom>
+            <a:noFill/>
+            <a:ln w="9525">
+              <a:noFill/>
+              <a:miter lim="800000"/>
+              <a:headEnd/>
+              <a:tailEnd/>
+            </a:ln>
+          </p:spPr>
+          <p:txBody>
+            <a:bodyPr wrap="none">
+              <a:spAutoFit/>
+            </a:bodyPr>
+            <a:lstStyle/>
+            <a:p>
+              <a:r>
+                <a:rPr lang="en-US"/>
+                <a:t>7.2</a:t>
+              </a:r>
+            </a:p>
+          </p:txBody>
+        </p:sp>
+        <p:sp>
+          <p:nvSpPr>
+            <p:cNvPr id="1049" name="Text Box 25"/>
+            <p:cNvSpPr txBox="1">
+              <a:spLocks noChangeArrowheads="1"/>
+            </p:cNvSpPr>
+            <p:nvPr/>
+          </p:nvSpPr>
+          <p:spPr bwMode="auto">
+            <a:xfrm>
+              <a:off x="2198" y="1559"/>
+              <a:ext cx="300" cy="233"/>
+            </a:xfrm>
+            <a:prstGeom prst="rect">
+              <a:avLst/>
+            </a:prstGeom>
+            <a:noFill/>
+            <a:ln w="9525">
+              <a:noFill/>
+              <a:miter lim="800000"/>
+              <a:headEnd/>
+              <a:tailEnd/>
+            </a:ln>
+          </p:spPr>
+          <p:txBody>
+            <a:bodyPr wrap="none">
+              <a:spAutoFit/>
+            </a:bodyPr>
+            <a:lstStyle/>
+            <a:p>
+              <a:r>
+                <a:rPr lang="en-US"/>
+                <a:t>5.7</a:t>
+              </a:r>
+            </a:p>
+          </p:txBody>
+        </p:sp>
+      </p:grpSp>
+    </p:spTree>
+  </p:cSld>
+  <p:clrMapOvr>
+    <a:masterClrMapping/>
+  </p:clrMapOvr>
+  <p:timing>
+    <p:tnLst>
+      <p:par>
+        <p:cTn id="1" dur="indefinite" restart="never" nodeType="tmRoot">
+          <p:childTnLst>
+            <p:seq concurrent="1" nextAc="seek">
+              <p:cTn id="2" dur="indefinite" nodeType="mainSeq">
+                <p:childTnLst>
+                  <p:par>
+                    <p:cTn id="3" fill="hold">
+                      <p:stCondLst>
+                        <p:cond delay="indefinite"/>
+                      </p:stCondLst>
+                      <p:childTnLst>
+                        <p:par>
+                          <p:cTn id="4" fill="hold">
+                            <p:stCondLst>
+                              <p:cond delay="0"/>
+                            </p:stCondLst>
+                            <p:childTnLst>
+                              <p:par>
+                                <p:cTn id="5" presetID="1" presetClass="entr" presetSubtype="0" fill="hold" nodeType="clickEffect">
+                                  <p:stCondLst>
+                                    <p:cond delay="0"/>
+                                  </p:stCondLst>
+                                  <p:childTnLst>
+                                    <p:set>
+                                      <p:cBhvr>
+                                        <p:cTn id="6" dur="1" fill="hold">
+                                          <p:stCondLst>
+                                            <p:cond delay="0"/>
+                                          </p:stCondLst>
+                                        </p:cTn>
+                                        <p:tgtEl>
+                                          <p:spTgt spid="2"/>
+                                        </p:tgtEl>
+                                        <p:attrNameLst>
+                                          <p:attrName>style.visibility</p:attrName>
+                                        </p:attrNameLst>
+                                      </p:cBhvr>
+                                      <p:to>
+                                        <p:strVal val="visible"/>
+                                      </p:to>
+                                    </p:set>
+                                  </p:childTnLst>
+                                </p:cTn>
+                              </p:par>
+                            </p:childTnLst>
+                          </p:cTn>
+                        </p:par>
+                      </p:childTnLst>
+                    </p:cTn>
+                  </p:par>
+                  <p:par>
+                    <p:cTn id="7" fill="hold">
+                      <p:stCondLst>
+                        <p:cond delay="indefinite"/>
+                      </p:stCondLst>
+                      <p:childTnLst>
+                        <p:par>
+                          <p:cTn id="8" fill="hold">
+                            <p:stCondLst>
+                              <p:cond delay="0"/>
+                            </p:stCondLst>
+                            <p:childTnLst>
+                              <p:par>
+                                <p:cTn id="9" presetID="1" presetClass="entr" presetSubtype="0" fill="hold" grpId="0" nodeType="clickEffect">
+                                  <p:stCondLst>
+                                    <p:cond delay="0"/>
+                                  </p:stCondLst>
+                                  <p:childTnLst>
+                                    <p:set>
+                                      <p:cBhvr>
+                                        <p:cTn id="10" dur="1" fill="hold">
+                                          <p:stCondLst>
+                                            <p:cond delay="0"/>
+                                          </p:stCondLst>
+                                        </p:cTn>
+                                        <p:tgtEl>
+                                          <p:spTgt spid="3"/>
+                                        </p:tgtEl>
+                                        <p:attrNameLst>
+                                          <p:attrName>style.visibility</p:attrName>
+                                        </p:attrNameLst>
+                                      </p:cBhvr>
+                                      <p:to>
+                                        <p:strVal val="visible"/>
+                                      </p:to>
+                                    </p:set>
+                                  </p:childTnLst>
+                                </p:cTn>
+                              </p:par>
+                            </p:childTnLst>
+                          </p:cTn>
+                        </p:par>
+                      </p:childTnLst>
+                    </p:cTn>
+                  </p:par>
+                </p:childTnLst>
+              </p:cTn>
+              <p:prevCondLst>
+                <p:cond evt="onPrev" delay="0">
+                  <p:tgtEl>
+                    <p:sldTgt/>
+                  </p:tgtEl>
+                </p:cond>
+              </p:prevCondLst>
+              <p:nextCondLst>
+                <p:cond evt="onNext" delay="0">
+                  <p:tgtEl>
+                    <p:sldTgt/>
+                  </p:tgtEl>
+                </p:cond>
+              </p:nextCondLst>
+            </p:seq>
+          </p:childTnLst>
+        </p:cTn>
+      </p:par>
+    </p:tnLst>
+    <p:bldLst>
+      <p:bldGraphic spid="3" grpId="0">
+        <p:bldAsOne/>
+      </p:bldGraphic>
+    </p:bldLst>
+  </p:timing>
 </p:sld>
 </file>
 

--- a/Class Slides 2024/Class 10.pptx
+++ b/Class Slides 2024/Class 10.pptx
@@ -5285,8 +5285,13 @@
           <a:p>
             <a:r>
               <a:rPr lang="en-US" dirty="0"/>
-              <a:t>205 Jan 26, Class 11</a:t>
-            </a:r>
+              <a:t>205 Jan 26, </a:t>
+            </a:r>
+            <a:r>
+              <a:rPr lang="en-US"/>
+              <a:t>Class 10</a:t>
+            </a:r>
+            <a:endParaRPr lang="en-US" dirty="0"/>
           </a:p>
         </p:txBody>
       </p:sp>
